--- a/openEuler高校开发者大赛答辩-王恒宇.pptx
+++ b/openEuler高校开发者大赛答辩-王恒宇.pptx
@@ -21,33 +21,34 @@
     <p:sldId id="371" r:id="rId14"/>
     <p:sldId id="370" r:id="rId15"/>
     <p:sldId id="373" r:id="rId16"/>
-    <p:sldId id="374" r:id="rId17"/>
-    <p:sldId id="377" r:id="rId18"/>
-    <p:sldId id="352" r:id="rId19"/>
-    <p:sldId id="375" r:id="rId20"/>
-    <p:sldId id="353" r:id="rId21"/>
-    <p:sldId id="376" r:id="rId22"/>
-    <p:sldId id="354" r:id="rId23"/>
-    <p:sldId id="319" r:id="rId24"/>
+    <p:sldId id="384" r:id="rId17"/>
+    <p:sldId id="374" r:id="rId18"/>
+    <p:sldId id="377" r:id="rId19"/>
+    <p:sldId id="352" r:id="rId20"/>
+    <p:sldId id="375" r:id="rId21"/>
+    <p:sldId id="353" r:id="rId22"/>
+    <p:sldId id="376" r:id="rId23"/>
+    <p:sldId id="354" r:id="rId24"/>
+    <p:sldId id="319" r:id="rId25"/>
   </p:sldIdLst>
   <p:sldSz cx="9144000" cy="5143500"/>
   <p:notesSz cx="6858000" cy="9144000"/>
   <p:embeddedFontLst>
     <p:embeddedFont>
       <p:font typeface="微软雅黑" panose="020B0503020204020204" charset="-122"/>
-      <p:regular r:id="rId29"/>
+      <p:regular r:id="rId30"/>
     </p:embeddedFont>
     <p:embeddedFont>
       <p:font typeface="Calibri Light" panose="020F0302020204030204" charset="0"/>
-      <p:regular r:id="rId30"/>
-      <p:italic r:id="rId31"/>
+      <p:regular r:id="rId31"/>
+      <p:italic r:id="rId32"/>
     </p:embeddedFont>
     <p:embeddedFont>
       <p:font typeface="Calibri" panose="020F0502020204030204" charset="0"/>
-      <p:regular r:id="rId32"/>
-      <p:bold r:id="rId33"/>
-      <p:italic r:id="rId34"/>
-      <p:boldItalic r:id="rId35"/>
+      <p:regular r:id="rId33"/>
+      <p:bold r:id="rId34"/>
+      <p:italic r:id="rId35"/>
+      <p:boldItalic r:id="rId36"/>
     </p:embeddedFont>
   </p:embeddedFontLst>
   <p:defaultTextStyle>
@@ -288,23 +289,24 @@
             <p14:sldId id="288"/>
             <p14:sldId id="355"/>
             <p14:sldId id="362"/>
+            <p14:sldId id="350"/>
+            <p14:sldId id="364"/>
             <p14:sldId id="351"/>
+            <p14:sldId id="367"/>
             <p14:sldId id="368"/>
             <p14:sldId id="369"/>
             <p14:sldId id="371"/>
             <p14:sldId id="370"/>
             <p14:sldId id="373"/>
+            <p14:sldId id="384"/>
             <p14:sldId id="374"/>
             <p14:sldId id="377"/>
             <p14:sldId id="352"/>
             <p14:sldId id="375"/>
             <p14:sldId id="353"/>
             <p14:sldId id="376"/>
+            <p14:sldId id="354"/>
             <p14:sldId id="319"/>
-            <p14:sldId id="364"/>
-            <p14:sldId id="350"/>
-            <p14:sldId id="367"/>
-            <p14:sldId id="354"/>
           </p14:sldIdLst>
         </p14:section>
         <p14:section name="无标题节" id="{94c9ef72-a430-45c8-a6cd-0f0c92c8bf26}">
@@ -1834,6 +1836,91 @@
 </file>
 
 <file path=ppt/notesSlides/notesSlide21.xml><?xml version="1.0" encoding="utf-8"?>
+<p:notes xmlns:a="http://schemas.openxmlformats.org/drawingml/2006/main" xmlns:r="http://schemas.openxmlformats.org/officeDocument/2006/relationships" xmlns:p="http://schemas.openxmlformats.org/presentationml/2006/main">
+  <p:cSld>
+    <p:spTree>
+      <p:nvGrpSpPr>
+        <p:cNvPr id="1" name=""/>
+        <p:cNvGrpSpPr/>
+        <p:nvPr/>
+      </p:nvGrpSpPr>
+      <p:grpSpPr>
+        <a:xfrm>
+          <a:off x="0" y="0"/>
+          <a:ext cx="0" cy="0"/>
+          <a:chOff x="0" y="0"/>
+          <a:chExt cx="0" cy="0"/>
+        </a:xfrm>
+      </p:grpSpPr>
+      <p:sp>
+        <p:nvSpPr>
+          <p:cNvPr id="2" name="幻灯片图像占位符 1"/>
+          <p:cNvSpPr>
+            <a:spLocks noGrp="1" noRot="1" noChangeAspect="1"/>
+          </p:cNvSpPr>
+          <p:nvPr>
+            <p:ph type="sldImg"/>
+          </p:nvPr>
+        </p:nvSpPr>
+        <p:spPr>
+          <a:xfrm>
+            <a:off x="381000" y="685800"/>
+            <a:ext cx="6096000" cy="3429000"/>
+          </a:xfrm>
+        </p:spPr>
+      </p:sp>
+      <p:sp>
+        <p:nvSpPr>
+          <p:cNvPr id="3" name="备注占位符 2"/>
+          <p:cNvSpPr>
+            <a:spLocks noGrp="1"/>
+          </p:cNvSpPr>
+          <p:nvPr>
+            <p:ph type="body" idx="1"/>
+          </p:nvPr>
+        </p:nvSpPr>
+        <p:spPr/>
+        <p:txBody>
+          <a:bodyPr>
+            <a:normAutofit/>
+          </a:bodyPr>
+          <a:lstStyle/>
+          <a:p>
+            <a:endParaRPr lang="zh-CN" altLang="en-US"/>
+          </a:p>
+        </p:txBody>
+      </p:sp>
+      <p:sp>
+        <p:nvSpPr>
+          <p:cNvPr id="4" name="灯片编号占位符 3"/>
+          <p:cNvSpPr>
+            <a:spLocks noGrp="1"/>
+          </p:cNvSpPr>
+          <p:nvPr>
+            <p:ph type="sldNum" sz="quarter" idx="10"/>
+          </p:nvPr>
+        </p:nvSpPr>
+        <p:spPr/>
+        <p:txBody>
+          <a:bodyPr/>
+          <a:lstStyle/>
+          <a:p>
+            <a:fld id="{7A62110E-3493-3246-A804-42F338807E22}" type="slidenum">
+              <a:rPr kumimoji="1" lang="zh-CN" altLang="en-US" smtClean="0"/>
+            </a:fld>
+            <a:endParaRPr kumimoji="1" lang="zh-CN" altLang="en-US"/>
+          </a:p>
+        </p:txBody>
+      </p:sp>
+    </p:spTree>
+  </p:cSld>
+  <p:clrMapOvr>
+    <a:masterClrMapping/>
+  </p:clrMapOvr>
+</p:notes>
+</file>
+
+<file path=ppt/notesSlides/notesSlide22.xml><?xml version="1.0" encoding="utf-8"?>
 <p:notes xmlns:a="http://schemas.openxmlformats.org/drawingml/2006/main" xmlns:r="http://schemas.openxmlformats.org/officeDocument/2006/relationships" xmlns:p="http://schemas.openxmlformats.org/presentationml/2006/main">
   <p:cSld>
     <p:spTree>
@@ -6525,193 +6612,9 @@
           </a:p>
         </p:txBody>
       </p:sp>
-      <p:sp>
-        <p:nvSpPr>
-          <p:cNvPr id="2" name="文本框 1"/>
-          <p:cNvSpPr txBox="1"/>
-          <p:nvPr/>
-        </p:nvSpPr>
-        <p:spPr>
-          <a:xfrm>
-            <a:off x="827405" y="4011930"/>
-            <a:ext cx="7952105" cy="829945"/>
-          </a:xfrm>
-          <a:prstGeom prst="rect">
-            <a:avLst/>
-          </a:prstGeom>
-          <a:noFill/>
-        </p:spPr>
-        <p:txBody>
-          <a:bodyPr wrap="square" rtlCol="0">
-            <a:spAutoFit/>
-          </a:bodyPr>
-          <a:p>
-            <a:pPr marL="285750" indent="-285750">
-              <a:lnSpc>
-                <a:spcPct val="150000"/>
-              </a:lnSpc>
-              <a:buFont typeface="Arial" panose="020B0604020202020204" pitchFamily="34" charset="0"/>
-              <a:buChar char="•"/>
-            </a:pPr>
-            <a:r>
-              <a:rPr lang="zh-CN" altLang="en-US" sz="1600" kern="1200" dirty="0" smtClean="0">
-                <a:solidFill>
-                  <a:schemeClr val="tx1">
-                    <a:lumMod val="75000"/>
-                    <a:lumOff val="25000"/>
-                  </a:schemeClr>
-                </a:solidFill>
-                <a:latin typeface="微软雅黑" panose="020B0503020204020204" charset="-122"/>
-                <a:ea typeface="微软雅黑" panose="020B0503020204020204" charset="-122"/>
-                <a:cs typeface="+mj-cs"/>
-                <a:sym typeface="+mn-ea"/>
-              </a:rPr>
-              <a:t>慢速初始化：申请</a:t>
-            </a:r>
-            <a:r>
-              <a:rPr lang="en-US" altLang="zh-CN" sz="1600" kern="1200" dirty="0" smtClean="0">
-                <a:solidFill>
-                  <a:schemeClr val="tx1">
-                    <a:lumMod val="75000"/>
-                    <a:lumOff val="25000"/>
-                  </a:schemeClr>
-                </a:solidFill>
-                <a:latin typeface="微软雅黑" panose="020B0503020204020204" charset="-122"/>
-                <a:ea typeface="微软雅黑" panose="020B0503020204020204" charset="-122"/>
-                <a:cs typeface="+mj-cs"/>
-                <a:sym typeface="+mn-ea"/>
-              </a:rPr>
-              <a:t>Brick</a:t>
-            </a:r>
-            <a:r>
-              <a:rPr lang="zh-CN" altLang="en-US" sz="1600" kern="1200" dirty="0" smtClean="0">
-                <a:solidFill>
-                  <a:schemeClr val="tx1">
-                    <a:lumMod val="75000"/>
-                    <a:lumOff val="25000"/>
-                  </a:schemeClr>
-                </a:solidFill>
-                <a:latin typeface="微软雅黑" panose="020B0503020204020204" charset="-122"/>
-                <a:ea typeface="微软雅黑" panose="020B0503020204020204" charset="-122"/>
-                <a:cs typeface="+mj-cs"/>
-                <a:sym typeface="+mn-ea"/>
-              </a:rPr>
-              <a:t>所需内存，判断</a:t>
-            </a:r>
-            <a:r>
-              <a:rPr lang="en-US" altLang="zh-CN" sz="1600" kern="1200" dirty="0" smtClean="0">
-                <a:solidFill>
-                  <a:schemeClr val="tx1">
-                    <a:lumMod val="75000"/>
-                    <a:lumOff val="25000"/>
-                  </a:schemeClr>
-                </a:solidFill>
-                <a:latin typeface="微软雅黑" panose="020B0503020204020204" charset="-122"/>
-                <a:ea typeface="微软雅黑" panose="020B0503020204020204" charset="-122"/>
-                <a:cs typeface="+mj-cs"/>
-                <a:sym typeface="+mn-ea"/>
-              </a:rPr>
-              <a:t>Cart</a:t>
-            </a:r>
-            <a:r>
-              <a:rPr lang="zh-CN" altLang="en-US" sz="1600" kern="1200" dirty="0" smtClean="0">
-                <a:solidFill>
-                  <a:schemeClr val="tx1">
-                    <a:lumMod val="75000"/>
-                    <a:lumOff val="25000"/>
-                  </a:schemeClr>
-                </a:solidFill>
-                <a:latin typeface="微软雅黑" panose="020B0503020204020204" charset="-122"/>
-                <a:ea typeface="微软雅黑" panose="020B0503020204020204" charset="-122"/>
-                <a:cs typeface="+mj-cs"/>
-                <a:sym typeface="+mn-ea"/>
-              </a:rPr>
-              <a:t>队列容量是否需要扩容等。</a:t>
-            </a:r>
-            <a:endParaRPr lang="zh-CN" altLang="en-US" sz="1600" kern="1200" dirty="0" smtClean="0">
-              <a:solidFill>
-                <a:schemeClr val="tx1">
-                  <a:lumMod val="75000"/>
-                  <a:lumOff val="25000"/>
-                </a:schemeClr>
-              </a:solidFill>
-              <a:latin typeface="微软雅黑" panose="020B0503020204020204" charset="-122"/>
-              <a:ea typeface="微软雅黑" panose="020B0503020204020204" charset="-122"/>
-              <a:cs typeface="+mj-cs"/>
-              <a:sym typeface="+mn-ea"/>
-            </a:endParaRPr>
-          </a:p>
-          <a:p>
-            <a:pPr marL="285750" indent="-285750">
-              <a:lnSpc>
-                <a:spcPct val="150000"/>
-              </a:lnSpc>
-              <a:buFont typeface="Arial" panose="020B0604020202020204" pitchFamily="34" charset="0"/>
-              <a:buChar char="•"/>
-            </a:pPr>
-            <a:r>
-              <a:rPr lang="zh-CN" altLang="en-US" sz="1600" kern="1200" dirty="0" smtClean="0">
-                <a:solidFill>
-                  <a:schemeClr val="tx1">
-                    <a:lumMod val="75000"/>
-                    <a:lumOff val="25000"/>
-                  </a:schemeClr>
-                </a:solidFill>
-                <a:latin typeface="微软雅黑" panose="020B0503020204020204" charset="-122"/>
-                <a:ea typeface="微软雅黑" panose="020B0503020204020204" charset="-122"/>
-                <a:cs typeface="+mj-cs"/>
-                <a:sym typeface="+mn-ea"/>
-              </a:rPr>
-              <a:t>快速初始化：复用执行完毕的</a:t>
-            </a:r>
-            <a:r>
-              <a:rPr lang="en-US" altLang="zh-CN" sz="1600" kern="1200" dirty="0" smtClean="0">
-                <a:solidFill>
-                  <a:schemeClr val="tx1">
-                    <a:lumMod val="75000"/>
-                    <a:lumOff val="25000"/>
-                  </a:schemeClr>
-                </a:solidFill>
-                <a:latin typeface="微软雅黑" panose="020B0503020204020204" charset="-122"/>
-                <a:ea typeface="微软雅黑" panose="020B0503020204020204" charset="-122"/>
-                <a:cs typeface="+mj-cs"/>
-                <a:sym typeface="+mn-ea"/>
-              </a:rPr>
-              <a:t>Brick</a:t>
-            </a:r>
-            <a:r>
-              <a:rPr lang="zh-CN" altLang="en-US" sz="1600" kern="1200" dirty="0" smtClean="0">
-                <a:solidFill>
-                  <a:schemeClr val="tx1">
-                    <a:lumMod val="75000"/>
-                    <a:lumOff val="25000"/>
-                  </a:schemeClr>
-                </a:solidFill>
-                <a:latin typeface="微软雅黑" panose="020B0503020204020204" charset="-122"/>
-                <a:ea typeface="微软雅黑" panose="020B0503020204020204" charset="-122"/>
-                <a:cs typeface="+mj-cs"/>
-                <a:sym typeface="+mn-ea"/>
-              </a:rPr>
-              <a:t>，赋值即可用。</a:t>
-            </a:r>
-            <a:endParaRPr lang="zh-CN" altLang="en-US" sz="1600" kern="1200" dirty="0" smtClean="0">
-              <a:solidFill>
-                <a:schemeClr val="tx1">
-                  <a:lumMod val="75000"/>
-                  <a:lumOff val="25000"/>
-                </a:schemeClr>
-              </a:solidFill>
-              <a:latin typeface="微软雅黑" panose="020B0503020204020204" charset="-122"/>
-              <a:ea typeface="微软雅黑" panose="020B0503020204020204" charset="-122"/>
-              <a:cs typeface="+mj-cs"/>
-              <a:sym typeface="+mn-ea"/>
-            </a:endParaRPr>
-          </a:p>
-        </p:txBody>
-      </p:sp>
       <p:pic>
         <p:nvPicPr>
-          <p:cNvPr id="14" name="图片 13"/>
+          <p:cNvPr id="13" name="图片 12"/>
           <p:cNvPicPr>
             <a:picLocks noChangeAspect="1"/>
           </p:cNvPicPr>
@@ -6719,14 +6622,15 @@
         </p:nvPicPr>
         <p:blipFill>
           <a:blip r:embed="rId4"/>
+          <a:srcRect t="3882" b="7432"/>
           <a:stretch>
             <a:fillRect/>
           </a:stretch>
         </p:blipFill>
         <p:spPr>
           <a:xfrm>
-            <a:off x="1547495" y="1257300"/>
-            <a:ext cx="5995670" cy="2827020"/>
+            <a:off x="1425575" y="1203325"/>
+            <a:ext cx="6292850" cy="3492500"/>
           </a:xfrm>
           <a:prstGeom prst="rect">
             <a:avLst/>
@@ -6953,7 +6857,29 @@
                 <a:ea typeface="Microsoft YaHei Bold" panose="020B0503020204020204" charset="-122"/>
                 <a:cs typeface="Microsoft YaHei Bold" panose="020B0503020204020204" charset="-122"/>
               </a:rPr>
-              <a:t>总结</a:t>
+              <a:t>任务服务器</a:t>
+            </a:r>
+            <a:r>
+              <a:rPr lang="en-US" altLang="zh-CN" sz="3000" b="1" dirty="0" smtClean="0">
+                <a:solidFill>
+                  <a:srgbClr val="0029B5"/>
+                </a:solidFill>
+                <a:latin typeface="Microsoft YaHei Bold" panose="020B0503020204020204" charset="-122"/>
+                <a:ea typeface="Microsoft YaHei Bold" panose="020B0503020204020204" charset="-122"/>
+                <a:cs typeface="Microsoft YaHei Bold" panose="020B0503020204020204" charset="-122"/>
+              </a:rPr>
+              <a:t>-</a:t>
+            </a:r>
+            <a:r>
+              <a:rPr lang="zh-CN" altLang="en-US" sz="3000" b="1" dirty="0" smtClean="0">
+                <a:solidFill>
+                  <a:srgbClr val="0029B5"/>
+                </a:solidFill>
+                <a:latin typeface="Microsoft YaHei Bold" panose="020B0503020204020204" charset="-122"/>
+                <a:ea typeface="Microsoft YaHei Bold" panose="020B0503020204020204" charset="-122"/>
+                <a:cs typeface="Microsoft YaHei Bold" panose="020B0503020204020204" charset="-122"/>
+              </a:rPr>
+              <a:t>执行子系统</a:t>
             </a:r>
             <a:endParaRPr lang="zh-CN" altLang="en-US" sz="3000" b="1" dirty="0" smtClean="0">
               <a:solidFill>
@@ -6974,8 +6900,8 @@
         </p:nvSpPr>
         <p:spPr>
           <a:xfrm>
-            <a:off x="539115" y="1292860"/>
-            <a:ext cx="7952105" cy="3046095"/>
+            <a:off x="827405" y="4011930"/>
+            <a:ext cx="7952105" cy="829945"/>
           </a:xfrm>
           <a:prstGeom prst="rect">
             <a:avLst/>
@@ -7007,7 +6933,67 @@
                 <a:cs typeface="+mj-cs"/>
                 <a:sym typeface="+mn-ea"/>
               </a:rPr>
-              <a:t>低资源占用。函数实体复用、共享栈、共享数据、惰性分配挂起任务栈内存。</a:t>
+              <a:t>慢速初始化：申请</a:t>
+            </a:r>
+            <a:r>
+              <a:rPr lang="en-US" altLang="zh-CN" sz="1600" kern="1200" dirty="0" smtClean="0">
+                <a:solidFill>
+                  <a:schemeClr val="tx1">
+                    <a:lumMod val="75000"/>
+                    <a:lumOff val="25000"/>
+                  </a:schemeClr>
+                </a:solidFill>
+                <a:latin typeface="微软雅黑" panose="020B0503020204020204" charset="-122"/>
+                <a:ea typeface="微软雅黑" panose="020B0503020204020204" charset="-122"/>
+                <a:cs typeface="+mj-cs"/>
+                <a:sym typeface="+mn-ea"/>
+              </a:rPr>
+              <a:t>Brick</a:t>
+            </a:r>
+            <a:r>
+              <a:rPr lang="zh-CN" altLang="en-US" sz="1600" kern="1200" dirty="0" smtClean="0">
+                <a:solidFill>
+                  <a:schemeClr val="tx1">
+                    <a:lumMod val="75000"/>
+                    <a:lumOff val="25000"/>
+                  </a:schemeClr>
+                </a:solidFill>
+                <a:latin typeface="微软雅黑" panose="020B0503020204020204" charset="-122"/>
+                <a:ea typeface="微软雅黑" panose="020B0503020204020204" charset="-122"/>
+                <a:cs typeface="+mj-cs"/>
+                <a:sym typeface="+mn-ea"/>
+              </a:rPr>
+              <a:t>所需内存，判断</a:t>
+            </a:r>
+            <a:r>
+              <a:rPr lang="en-US" altLang="zh-CN" sz="1600" kern="1200" dirty="0" smtClean="0">
+                <a:solidFill>
+                  <a:schemeClr val="tx1">
+                    <a:lumMod val="75000"/>
+                    <a:lumOff val="25000"/>
+                  </a:schemeClr>
+                </a:solidFill>
+                <a:latin typeface="微软雅黑" panose="020B0503020204020204" charset="-122"/>
+                <a:ea typeface="微软雅黑" panose="020B0503020204020204" charset="-122"/>
+                <a:cs typeface="+mj-cs"/>
+                <a:sym typeface="+mn-ea"/>
+              </a:rPr>
+              <a:t>Cart</a:t>
+            </a:r>
+            <a:r>
+              <a:rPr lang="zh-CN" altLang="en-US" sz="1600" kern="1200" dirty="0" smtClean="0">
+                <a:solidFill>
+                  <a:schemeClr val="tx1">
+                    <a:lumMod val="75000"/>
+                    <a:lumOff val="25000"/>
+                  </a:schemeClr>
+                </a:solidFill>
+                <a:latin typeface="微软雅黑" panose="020B0503020204020204" charset="-122"/>
+                <a:ea typeface="微软雅黑" panose="020B0503020204020204" charset="-122"/>
+                <a:cs typeface="+mj-cs"/>
+                <a:sym typeface="+mn-ea"/>
+              </a:rPr>
+              <a:t>队列容量是否需要扩容等。</a:t>
             </a:r>
             <a:endParaRPr lang="zh-CN" altLang="en-US" sz="1600" kern="1200" dirty="0" smtClean="0">
               <a:solidFill>
@@ -7043,7 +7029,37 @@
                 <a:cs typeface="+mj-cs"/>
                 <a:sym typeface="+mn-ea"/>
               </a:rPr>
-              <a:t>低启动延迟。相较传统FaaS框架减少了任务无关代码耗时，且框架以极低占用保活，避免了容器冷启动导致的高延迟。</a:t>
+              <a:t>快速初始化：复用执行完毕的</a:t>
+            </a:r>
+            <a:r>
+              <a:rPr lang="en-US" altLang="zh-CN" sz="1600" kern="1200" dirty="0" smtClean="0">
+                <a:solidFill>
+                  <a:schemeClr val="tx1">
+                    <a:lumMod val="75000"/>
+                    <a:lumOff val="25000"/>
+                  </a:schemeClr>
+                </a:solidFill>
+                <a:latin typeface="微软雅黑" panose="020B0503020204020204" charset="-122"/>
+                <a:ea typeface="微软雅黑" panose="020B0503020204020204" charset="-122"/>
+                <a:cs typeface="+mj-cs"/>
+                <a:sym typeface="+mn-ea"/>
+              </a:rPr>
+              <a:t>Brick</a:t>
+            </a:r>
+            <a:r>
+              <a:rPr lang="zh-CN" altLang="en-US" sz="1600" kern="1200" dirty="0" smtClean="0">
+                <a:solidFill>
+                  <a:schemeClr val="tx1">
+                    <a:lumMod val="75000"/>
+                    <a:lumOff val="25000"/>
+                  </a:schemeClr>
+                </a:solidFill>
+                <a:latin typeface="微软雅黑" panose="020B0503020204020204" charset="-122"/>
+                <a:ea typeface="微软雅黑" panose="020B0503020204020204" charset="-122"/>
+                <a:cs typeface="+mj-cs"/>
+                <a:sym typeface="+mn-ea"/>
+              </a:rPr>
+              <a:t>，赋值即可用。</a:t>
             </a:r>
             <a:endParaRPr lang="zh-CN" altLang="en-US" sz="1600" kern="1200" dirty="0" smtClean="0">
               <a:solidFill>
@@ -7058,140 +7074,33 @@
               <a:sym typeface="+mn-ea"/>
             </a:endParaRPr>
           </a:p>
-          <a:p>
-            <a:pPr marL="285750" indent="-285750">
-              <a:lnSpc>
-                <a:spcPct val="150000"/>
-              </a:lnSpc>
-              <a:buFont typeface="Arial" panose="020B0604020202020204" pitchFamily="34" charset="0"/>
-              <a:buChar char="•"/>
-            </a:pPr>
-            <a:r>
-              <a:rPr lang="zh-CN" altLang="en-US" sz="1600" kern="1200" dirty="0" smtClean="0">
-                <a:solidFill>
-                  <a:schemeClr val="tx1">
-                    <a:lumMod val="75000"/>
-                    <a:lumOff val="25000"/>
-                  </a:schemeClr>
-                </a:solidFill>
-                <a:latin typeface="微软雅黑" panose="020B0503020204020204" charset="-122"/>
-                <a:ea typeface="微软雅黑" panose="020B0503020204020204" charset="-122"/>
-                <a:cs typeface="+mj-cs"/>
-                <a:sym typeface="+mn-ea"/>
-              </a:rPr>
-              <a:t>高执行速度。将系统调度单位与资源单位解耦，充分利用多核、缓存等硬件特性提高任务执行速度及效率。多任务队列设计避免数据竞争，降低锁开销。</a:t>
-            </a:r>
-            <a:endParaRPr lang="zh-CN" altLang="en-US" sz="1600" kern="1200" dirty="0" smtClean="0">
-              <a:solidFill>
-                <a:schemeClr val="tx1">
-                  <a:lumMod val="75000"/>
-                  <a:lumOff val="25000"/>
-                </a:schemeClr>
-              </a:solidFill>
-              <a:latin typeface="微软雅黑" panose="020B0503020204020204" charset="-122"/>
-              <a:ea typeface="微软雅黑" panose="020B0503020204020204" charset="-122"/>
-              <a:cs typeface="+mj-cs"/>
-              <a:sym typeface="+mn-ea"/>
-            </a:endParaRPr>
-          </a:p>
-          <a:p>
-            <a:pPr marL="285750" indent="-285750">
-              <a:lnSpc>
-                <a:spcPct val="150000"/>
-              </a:lnSpc>
-              <a:buFont typeface="Arial" panose="020B0604020202020204" pitchFamily="34" charset="0"/>
-              <a:buChar char="•"/>
-            </a:pPr>
-            <a:r>
-              <a:rPr lang="zh-CN" altLang="en-US" sz="1600" kern="1200" dirty="0" smtClean="0">
-                <a:solidFill>
-                  <a:schemeClr val="tx1">
-                    <a:lumMod val="75000"/>
-                    <a:lumOff val="25000"/>
-                  </a:schemeClr>
-                </a:solidFill>
-                <a:latin typeface="微软雅黑" panose="020B0503020204020204" charset="-122"/>
-                <a:ea typeface="微软雅黑" panose="020B0503020204020204" charset="-122"/>
-                <a:cs typeface="+mj-cs"/>
-                <a:sym typeface="+mn-ea"/>
-              </a:rPr>
-              <a:t>多语言支持。BCL架构中，B、C是语言无关的，而Labor则可以适配多语言，可以做Binary-Labor、Python-Labor等。同样可以采用WebAssembly做多语言支持，如</a:t>
-            </a:r>
-            <a:r>
-              <a:rPr lang="en-US" altLang="zh-CN" sz="1600" kern="1200" dirty="0" smtClean="0">
-                <a:solidFill>
-                  <a:schemeClr val="tx1">
-                    <a:lumMod val="75000"/>
-                    <a:lumOff val="25000"/>
-                  </a:schemeClr>
-                </a:solidFill>
-                <a:latin typeface="微软雅黑" panose="020B0503020204020204" charset="-122"/>
-                <a:ea typeface="微软雅黑" panose="020B0503020204020204" charset="-122"/>
-                <a:cs typeface="+mj-cs"/>
-                <a:sym typeface="+mn-ea"/>
-              </a:rPr>
-              <a:t>ATC 20</a:t>
-            </a:r>
-            <a:r>
-              <a:rPr lang="zh-CN" altLang="en-US" sz="1600" kern="1200" dirty="0" smtClean="0">
-                <a:solidFill>
-                  <a:schemeClr val="tx1">
-                    <a:lumMod val="75000"/>
-                    <a:lumOff val="25000"/>
-                  </a:schemeClr>
-                </a:solidFill>
-                <a:latin typeface="微软雅黑" panose="020B0503020204020204" charset="-122"/>
-                <a:ea typeface="微软雅黑" panose="020B0503020204020204" charset="-122"/>
-                <a:cs typeface="+mj-cs"/>
-                <a:sym typeface="+mn-ea"/>
-              </a:rPr>
-              <a:t>发表的《</a:t>
-            </a:r>
-            <a:r>
-              <a:rPr lang="en-US" altLang="zh-CN" sz="1600" kern="1200" dirty="0" smtClean="0">
-                <a:solidFill>
-                  <a:schemeClr val="tx1">
-                    <a:lumMod val="75000"/>
-                    <a:lumOff val="25000"/>
-                  </a:schemeClr>
-                </a:solidFill>
-                <a:latin typeface="微软雅黑" panose="020B0503020204020204" charset="-122"/>
-                <a:ea typeface="微软雅黑" panose="020B0503020204020204" charset="-122"/>
-                <a:cs typeface="+mj-cs"/>
-                <a:sym typeface="+mn-ea"/>
-              </a:rPr>
-              <a:t>Faasm ...</a:t>
-            </a:r>
-            <a:r>
-              <a:rPr lang="zh-CN" altLang="en-US" sz="1600" kern="1200" dirty="0" smtClean="0">
-                <a:solidFill>
-                  <a:schemeClr val="tx1">
-                    <a:lumMod val="75000"/>
-                    <a:lumOff val="25000"/>
-                  </a:schemeClr>
-                </a:solidFill>
-                <a:latin typeface="微软雅黑" panose="020B0503020204020204" charset="-122"/>
-                <a:ea typeface="微软雅黑" panose="020B0503020204020204" charset="-122"/>
-                <a:cs typeface="+mj-cs"/>
-                <a:sym typeface="+mn-ea"/>
-              </a:rPr>
-              <a:t>》。</a:t>
-            </a:r>
-            <a:endParaRPr lang="en-US" altLang="zh-CN" sz="1600" kern="1200" dirty="0" smtClean="0">
-              <a:solidFill>
-                <a:schemeClr val="tx1">
-                  <a:lumMod val="75000"/>
-                  <a:lumOff val="25000"/>
-                </a:schemeClr>
-              </a:solidFill>
-              <a:latin typeface="微软雅黑" panose="020B0503020204020204" charset="-122"/>
-              <a:ea typeface="微软雅黑" panose="020B0503020204020204" charset="-122"/>
-              <a:cs typeface="+mj-cs"/>
-              <a:sym typeface="+mn-ea"/>
-            </a:endParaRPr>
-          </a:p>
         </p:txBody>
       </p:sp>
+      <p:pic>
+        <p:nvPicPr>
+          <p:cNvPr id="5" name="图片 4"/>
+          <p:cNvPicPr>
+            <a:picLocks noChangeAspect="1"/>
+          </p:cNvPicPr>
+          <p:nvPr/>
+        </p:nvPicPr>
+        <p:blipFill>
+          <a:blip r:embed="rId4"/>
+          <a:srcRect t="5236"/>
+          <a:stretch>
+            <a:fillRect/>
+          </a:stretch>
+        </p:blipFill>
+        <p:spPr>
+          <a:xfrm>
+            <a:off x="1466850" y="1268730"/>
+            <a:ext cx="6210300" cy="2758440"/>
+          </a:xfrm>
+          <a:prstGeom prst="rect">
+            <a:avLst/>
+          </a:prstGeom>
+        </p:spPr>
+      </p:pic>
     </p:spTree>
   </p:cSld>
   <p:clrMapOvr>
@@ -7412,7 +7321,7 @@
                 <a:ea typeface="Microsoft YaHei Bold" panose="020B0503020204020204" charset="-122"/>
                 <a:cs typeface="Microsoft YaHei Bold" panose="020B0503020204020204" charset="-122"/>
               </a:rPr>
-              <a:t>展望</a:t>
+              <a:t>总结</a:t>
             </a:r>
             <a:endParaRPr lang="zh-CN" altLang="en-US" sz="3000" b="1" dirty="0" smtClean="0">
               <a:solidFill>
@@ -7466,37 +7375,7 @@
                 <a:cs typeface="+mj-cs"/>
                 <a:sym typeface="+mn-ea"/>
               </a:rPr>
-              <a:t>内存及I/O的隔离是</a:t>
-            </a:r>
-            <a:r>
-              <a:rPr lang="en-US" altLang="zh-CN" sz="1600" kern="1200" dirty="0" smtClean="0">
-                <a:solidFill>
-                  <a:schemeClr val="tx1">
-                    <a:lumMod val="75000"/>
-                    <a:lumOff val="25000"/>
-                  </a:schemeClr>
-                </a:solidFill>
-                <a:latin typeface="微软雅黑" panose="020B0503020204020204" charset="-122"/>
-                <a:ea typeface="微软雅黑" panose="020B0503020204020204" charset="-122"/>
-                <a:cs typeface="+mj-cs"/>
-                <a:sym typeface="+mn-ea"/>
-              </a:rPr>
-              <a:t>FaaS</a:t>
-            </a:r>
-            <a:r>
-              <a:rPr lang="zh-CN" altLang="en-US" sz="1600" kern="1200" dirty="0" smtClean="0">
-                <a:solidFill>
-                  <a:schemeClr val="tx1">
-                    <a:lumMod val="75000"/>
-                    <a:lumOff val="25000"/>
-                  </a:schemeClr>
-                </a:solidFill>
-                <a:latin typeface="微软雅黑" panose="020B0503020204020204" charset="-122"/>
-                <a:ea typeface="微软雅黑" panose="020B0503020204020204" charset="-122"/>
-                <a:cs typeface="+mj-cs"/>
-                <a:sym typeface="+mn-ea"/>
-              </a:rPr>
-              <a:t>框架需要解决的问题。</a:t>
+              <a:t>低资源占用。函数实体复用、共享栈、共享数据、惰性分配挂起任务栈内存。</a:t>
             </a:r>
             <a:endParaRPr lang="zh-CN" altLang="en-US" sz="1600" kern="1200" dirty="0" smtClean="0">
               <a:solidFill>
@@ -7532,7 +7411,7 @@
                 <a:cs typeface="+mj-cs"/>
                 <a:sym typeface="+mn-ea"/>
               </a:rPr>
-              <a:t>内存安全。Software-fault isolation 可以解决同一地址空间中的内存安全问题。可以通过提供SFI功能的LLVM工具链编译需要提供内存安全的软件，使其指令流局限在设定内存内。WebAssembly在提供同样安全的条件下提供了更广泛的平台支持，可以尝试。</a:t>
+              <a:t>低启动延迟。相较传统FaaS框架减少了任务无关代码耗时，且框架以极低占用保活，避免了容器冷启动导致的高延迟。</a:t>
             </a:r>
             <a:endParaRPr lang="zh-CN" altLang="en-US" sz="1600" kern="1200" dirty="0" smtClean="0">
               <a:solidFill>
@@ -7568,9 +7447,105 @@
                 <a:cs typeface="+mj-cs"/>
                 <a:sym typeface="+mn-ea"/>
               </a:rPr>
-              <a:t>I/O隔离。在将每个任务视为独立的隔离单位时（不使用容器做隔离单位），I/O的隔离则必不可少。可先支持部分常用I/O，使用ptrace或kvm的方式对相关系统调用进行劫持代理。同时禁止其他未代理的可能导致危险的调用。</a:t>
+              <a:t>高执行速度。将系统调度单位与资源单位解耦，充分利用多核、缓存等硬件特性提高任务执行速度及效率。多任务队列设计避免数据竞争，降低锁开销。</a:t>
             </a:r>
             <a:endParaRPr lang="zh-CN" altLang="en-US" sz="1600" kern="1200" dirty="0" smtClean="0">
+              <a:solidFill>
+                <a:schemeClr val="tx1">
+                  <a:lumMod val="75000"/>
+                  <a:lumOff val="25000"/>
+                </a:schemeClr>
+              </a:solidFill>
+              <a:latin typeface="微软雅黑" panose="020B0503020204020204" charset="-122"/>
+              <a:ea typeface="微软雅黑" panose="020B0503020204020204" charset="-122"/>
+              <a:cs typeface="+mj-cs"/>
+              <a:sym typeface="+mn-ea"/>
+            </a:endParaRPr>
+          </a:p>
+          <a:p>
+            <a:pPr marL="285750" indent="-285750">
+              <a:lnSpc>
+                <a:spcPct val="150000"/>
+              </a:lnSpc>
+              <a:buFont typeface="Arial" panose="020B0604020202020204" pitchFamily="34" charset="0"/>
+              <a:buChar char="•"/>
+            </a:pPr>
+            <a:r>
+              <a:rPr lang="zh-CN" altLang="en-US" sz="1600" kern="1200" dirty="0" smtClean="0">
+                <a:solidFill>
+                  <a:schemeClr val="tx1">
+                    <a:lumMod val="75000"/>
+                    <a:lumOff val="25000"/>
+                  </a:schemeClr>
+                </a:solidFill>
+                <a:latin typeface="微软雅黑" panose="020B0503020204020204" charset="-122"/>
+                <a:ea typeface="微软雅黑" panose="020B0503020204020204" charset="-122"/>
+                <a:cs typeface="+mj-cs"/>
+                <a:sym typeface="+mn-ea"/>
+              </a:rPr>
+              <a:t>多语言支持。BCL架构中，B、C是语言无关的，而Labor则可以适配多语言，可以做Binary-Labor、Python-Labor等。同样可以采用WebAssembly做多语言支持，如</a:t>
+            </a:r>
+            <a:r>
+              <a:rPr lang="en-US" altLang="zh-CN" sz="1600" kern="1200" dirty="0" smtClean="0">
+                <a:solidFill>
+                  <a:schemeClr val="tx1">
+                    <a:lumMod val="75000"/>
+                    <a:lumOff val="25000"/>
+                  </a:schemeClr>
+                </a:solidFill>
+                <a:latin typeface="微软雅黑" panose="020B0503020204020204" charset="-122"/>
+                <a:ea typeface="微软雅黑" panose="020B0503020204020204" charset="-122"/>
+                <a:cs typeface="+mj-cs"/>
+                <a:sym typeface="+mn-ea"/>
+              </a:rPr>
+              <a:t>ATC 20</a:t>
+            </a:r>
+            <a:r>
+              <a:rPr lang="zh-CN" altLang="en-US" sz="1600" kern="1200" dirty="0" smtClean="0">
+                <a:solidFill>
+                  <a:schemeClr val="tx1">
+                    <a:lumMod val="75000"/>
+                    <a:lumOff val="25000"/>
+                  </a:schemeClr>
+                </a:solidFill>
+                <a:latin typeface="微软雅黑" panose="020B0503020204020204" charset="-122"/>
+                <a:ea typeface="微软雅黑" panose="020B0503020204020204" charset="-122"/>
+                <a:cs typeface="+mj-cs"/>
+                <a:sym typeface="+mn-ea"/>
+              </a:rPr>
+              <a:t>发表的《</a:t>
+            </a:r>
+            <a:r>
+              <a:rPr lang="en-US" altLang="zh-CN" sz="1600" kern="1200" dirty="0" smtClean="0">
+                <a:solidFill>
+                  <a:schemeClr val="tx1">
+                    <a:lumMod val="75000"/>
+                    <a:lumOff val="25000"/>
+                  </a:schemeClr>
+                </a:solidFill>
+                <a:latin typeface="微软雅黑" panose="020B0503020204020204" charset="-122"/>
+                <a:ea typeface="微软雅黑" panose="020B0503020204020204" charset="-122"/>
+                <a:cs typeface="+mj-cs"/>
+                <a:sym typeface="+mn-ea"/>
+              </a:rPr>
+              <a:t>Faasm ...</a:t>
+            </a:r>
+            <a:r>
+              <a:rPr lang="zh-CN" altLang="en-US" sz="1600" kern="1200" dirty="0" smtClean="0">
+                <a:solidFill>
+                  <a:schemeClr val="tx1">
+                    <a:lumMod val="75000"/>
+                    <a:lumOff val="25000"/>
+                  </a:schemeClr>
+                </a:solidFill>
+                <a:latin typeface="微软雅黑" panose="020B0503020204020204" charset="-122"/>
+                <a:ea typeface="微软雅黑" panose="020B0503020204020204" charset="-122"/>
+                <a:cs typeface="+mj-cs"/>
+                <a:sym typeface="+mn-ea"/>
+              </a:rPr>
+              <a:t>》。</a:t>
+            </a:r>
+            <a:endParaRPr lang="en-US" altLang="zh-CN" sz="1600" kern="1200" dirty="0" smtClean="0">
               <a:solidFill>
                 <a:schemeClr val="tx1">
                   <a:lumMod val="75000"/>
@@ -7782,41 +7757,30 @@
         </p:nvSpPr>
         <p:spPr>
           <a:xfrm>
-            <a:off x="694690" y="1604645"/>
-            <a:ext cx="7754620" cy="1224280"/>
+            <a:off x="539115" y="589280"/>
+            <a:ext cx="4399280" cy="703580"/>
           </a:xfrm>
         </p:spPr>
         <p:txBody>
           <a:bodyPr>
-            <a:normAutofit/>
+            <a:normAutofit fontScale="90000"/>
           </a:bodyPr>
           <a:p>
-            <a:pPr algn="ctr">
+            <a:pPr algn="l">
               <a:lnSpc>
                 <a:spcPct val="150000"/>
               </a:lnSpc>
             </a:pPr>
             <a:r>
-              <a:rPr lang="en-US" altLang="zh-CN" sz="3000" b="1" dirty="0" smtClean="0">
+              <a:rPr lang="zh-CN" altLang="en-US" sz="3000" b="1" dirty="0" smtClean="0">
                 <a:solidFill>
                   <a:srgbClr val="0029B5"/>
                 </a:solidFill>
                 <a:latin typeface="Microsoft YaHei Bold" panose="020B0503020204020204" charset="-122"/>
                 <a:ea typeface="Microsoft YaHei Bold" panose="020B0503020204020204" charset="-122"/>
-                <a:sym typeface="+mn-ea"/>
-              </a:rPr>
-              <a:t>Part 3 </a:t>
-            </a:r>
-            <a:r>
-              <a:rPr lang="zh-CN" altLang="en-US" sz="3000" b="1" dirty="0" smtClean="0">
-                <a:solidFill>
-                  <a:srgbClr val="0029B5"/>
-                </a:solidFill>
-                <a:latin typeface="Microsoft YaHei Bold" panose="020B0503020204020204" charset="-122"/>
-                <a:ea typeface="Microsoft YaHei Bold" panose="020B0503020204020204" charset="-122"/>
-                <a:sym typeface="+mn-ea"/>
-              </a:rPr>
-              <a:t>开发难点及解决措施</a:t>
+                <a:cs typeface="Microsoft YaHei Bold" panose="020B0503020204020204" charset="-122"/>
+              </a:rPr>
+              <a:t>展望</a:t>
             </a:r>
             <a:endParaRPr lang="zh-CN" altLang="en-US" sz="3000" b="1" dirty="0" smtClean="0">
               <a:solidFill>
@@ -7825,6 +7789,166 @@
               <a:latin typeface="Microsoft YaHei Bold" panose="020B0503020204020204" charset="-122"/>
               <a:ea typeface="Microsoft YaHei Bold" panose="020B0503020204020204" charset="-122"/>
               <a:cs typeface="Microsoft YaHei Bold" panose="020B0503020204020204" charset="-122"/>
+            </a:endParaRPr>
+          </a:p>
+        </p:txBody>
+      </p:sp>
+      <p:sp>
+        <p:nvSpPr>
+          <p:cNvPr id="2" name="文本框 1"/>
+          <p:cNvSpPr txBox="1"/>
+          <p:nvPr/>
+        </p:nvSpPr>
+        <p:spPr>
+          <a:xfrm>
+            <a:off x="539115" y="1292860"/>
+            <a:ext cx="7952105" cy="3046095"/>
+          </a:xfrm>
+          <a:prstGeom prst="rect">
+            <a:avLst/>
+          </a:prstGeom>
+          <a:noFill/>
+        </p:spPr>
+        <p:txBody>
+          <a:bodyPr wrap="square" rtlCol="0">
+            <a:spAutoFit/>
+          </a:bodyPr>
+          <a:p>
+            <a:pPr marL="285750" indent="-285750">
+              <a:lnSpc>
+                <a:spcPct val="150000"/>
+              </a:lnSpc>
+              <a:buFont typeface="Arial" panose="020B0604020202020204" pitchFamily="34" charset="0"/>
+              <a:buChar char="•"/>
+            </a:pPr>
+            <a:r>
+              <a:rPr lang="zh-CN" altLang="en-US" sz="1600" kern="1200" dirty="0" smtClean="0">
+                <a:solidFill>
+                  <a:schemeClr val="tx1">
+                    <a:lumMod val="75000"/>
+                    <a:lumOff val="25000"/>
+                  </a:schemeClr>
+                </a:solidFill>
+                <a:latin typeface="微软雅黑" panose="020B0503020204020204" charset="-122"/>
+                <a:ea typeface="微软雅黑" panose="020B0503020204020204" charset="-122"/>
+                <a:cs typeface="+mj-cs"/>
+                <a:sym typeface="+mn-ea"/>
+              </a:rPr>
+              <a:t>内存及I/O的隔离是</a:t>
+            </a:r>
+            <a:r>
+              <a:rPr lang="en-US" altLang="zh-CN" sz="1600" kern="1200" dirty="0" smtClean="0">
+                <a:solidFill>
+                  <a:schemeClr val="tx1">
+                    <a:lumMod val="75000"/>
+                    <a:lumOff val="25000"/>
+                  </a:schemeClr>
+                </a:solidFill>
+                <a:latin typeface="微软雅黑" panose="020B0503020204020204" charset="-122"/>
+                <a:ea typeface="微软雅黑" panose="020B0503020204020204" charset="-122"/>
+                <a:cs typeface="+mj-cs"/>
+                <a:sym typeface="+mn-ea"/>
+              </a:rPr>
+              <a:t>FaaS</a:t>
+            </a:r>
+            <a:r>
+              <a:rPr lang="zh-CN" altLang="en-US" sz="1600" kern="1200" dirty="0" smtClean="0">
+                <a:solidFill>
+                  <a:schemeClr val="tx1">
+                    <a:lumMod val="75000"/>
+                    <a:lumOff val="25000"/>
+                  </a:schemeClr>
+                </a:solidFill>
+                <a:latin typeface="微软雅黑" panose="020B0503020204020204" charset="-122"/>
+                <a:ea typeface="微软雅黑" panose="020B0503020204020204" charset="-122"/>
+                <a:cs typeface="+mj-cs"/>
+                <a:sym typeface="+mn-ea"/>
+              </a:rPr>
+              <a:t>框架需要解决的问题。</a:t>
+            </a:r>
+            <a:endParaRPr lang="zh-CN" altLang="en-US" sz="1600" kern="1200" dirty="0" smtClean="0">
+              <a:solidFill>
+                <a:schemeClr val="tx1">
+                  <a:lumMod val="75000"/>
+                  <a:lumOff val="25000"/>
+                </a:schemeClr>
+              </a:solidFill>
+              <a:latin typeface="微软雅黑" panose="020B0503020204020204" charset="-122"/>
+              <a:ea typeface="微软雅黑" panose="020B0503020204020204" charset="-122"/>
+              <a:cs typeface="+mj-cs"/>
+              <a:sym typeface="+mn-ea"/>
+            </a:endParaRPr>
+          </a:p>
+          <a:p>
+            <a:pPr marL="285750" indent="-285750">
+              <a:lnSpc>
+                <a:spcPct val="150000"/>
+              </a:lnSpc>
+              <a:buFont typeface="Arial" panose="020B0604020202020204" pitchFamily="34" charset="0"/>
+              <a:buChar char="•"/>
+            </a:pPr>
+            <a:r>
+              <a:rPr lang="zh-CN" altLang="en-US" sz="1600" kern="1200" dirty="0" smtClean="0">
+                <a:solidFill>
+                  <a:schemeClr val="tx1">
+                    <a:lumMod val="75000"/>
+                    <a:lumOff val="25000"/>
+                  </a:schemeClr>
+                </a:solidFill>
+                <a:latin typeface="微软雅黑" panose="020B0503020204020204" charset="-122"/>
+                <a:ea typeface="微软雅黑" panose="020B0503020204020204" charset="-122"/>
+                <a:cs typeface="+mj-cs"/>
+                <a:sym typeface="+mn-ea"/>
+              </a:rPr>
+              <a:t>内存安全。Software-fault isolation 可以解决同一地址空间中的内存安全问题。可以通过提供SFI功能的LLVM工具链编译需要提供内存安全的软件，使其指令流局限在设定内存内。WebAssembly在提供同样安全的条件下提供了更广泛的平台支持，可以尝试。</a:t>
+            </a:r>
+            <a:endParaRPr lang="zh-CN" altLang="en-US" sz="1600" kern="1200" dirty="0" smtClean="0">
+              <a:solidFill>
+                <a:schemeClr val="tx1">
+                  <a:lumMod val="75000"/>
+                  <a:lumOff val="25000"/>
+                </a:schemeClr>
+              </a:solidFill>
+              <a:latin typeface="微软雅黑" panose="020B0503020204020204" charset="-122"/>
+              <a:ea typeface="微软雅黑" panose="020B0503020204020204" charset="-122"/>
+              <a:cs typeface="+mj-cs"/>
+              <a:sym typeface="+mn-ea"/>
+            </a:endParaRPr>
+          </a:p>
+          <a:p>
+            <a:pPr marL="285750" indent="-285750">
+              <a:lnSpc>
+                <a:spcPct val="150000"/>
+              </a:lnSpc>
+              <a:buFont typeface="Arial" panose="020B0604020202020204" pitchFamily="34" charset="0"/>
+              <a:buChar char="•"/>
+            </a:pPr>
+            <a:r>
+              <a:rPr lang="zh-CN" altLang="en-US" sz="1600" kern="1200" dirty="0" smtClean="0">
+                <a:solidFill>
+                  <a:schemeClr val="tx1">
+                    <a:lumMod val="75000"/>
+                    <a:lumOff val="25000"/>
+                  </a:schemeClr>
+                </a:solidFill>
+                <a:latin typeface="微软雅黑" panose="020B0503020204020204" charset="-122"/>
+                <a:ea typeface="微软雅黑" panose="020B0503020204020204" charset="-122"/>
+                <a:cs typeface="+mj-cs"/>
+                <a:sym typeface="+mn-ea"/>
+              </a:rPr>
+              <a:t>I/O隔离。在将每个任务视为独立的隔离单位时（不使用容器做隔离单位），I/O的隔离则必不可少。可先支持部分常用I/O，使用ptrace或kvm的方式对相关系统调用进行劫持代理。同时禁止其他未代理的可能导致危险的调用。</a:t>
+            </a:r>
+            <a:endParaRPr lang="zh-CN" altLang="en-US" sz="1600" kern="1200" dirty="0" smtClean="0">
+              <a:solidFill>
+                <a:schemeClr val="tx1">
+                  <a:lumMod val="75000"/>
+                  <a:lumOff val="25000"/>
+                </a:schemeClr>
+              </a:solidFill>
+              <a:latin typeface="微软雅黑" panose="020B0503020204020204" charset="-122"/>
+              <a:ea typeface="微软雅黑" panose="020B0503020204020204" charset="-122"/>
+              <a:cs typeface="+mj-cs"/>
+              <a:sym typeface="+mn-ea"/>
             </a:endParaRPr>
           </a:p>
         </p:txBody>
@@ -8016,532 +8140,59 @@
       </p:pic>
       <p:sp>
         <p:nvSpPr>
-          <p:cNvPr id="2" name="文本框 1"/>
-          <p:cNvSpPr txBox="1"/>
-          <p:nvPr/>
-        </p:nvSpPr>
-        <p:spPr>
-          <a:xfrm>
-            <a:off x="595630" y="843915"/>
-            <a:ext cx="7952105" cy="3784600"/>
-          </a:xfrm>
-          <a:prstGeom prst="rect">
-            <a:avLst/>
-          </a:prstGeom>
-          <a:noFill/>
+          <p:cNvPr id="9" name="标题 8"/>
+          <p:cNvSpPr>
+            <a:spLocks noGrp="1"/>
+          </p:cNvSpPr>
+          <p:nvPr>
+            <p:ph type="ctrTitle"/>
+          </p:nvPr>
+        </p:nvSpPr>
+        <p:spPr>
+          <a:xfrm>
+            <a:off x="694690" y="1604645"/>
+            <a:ext cx="7754620" cy="1224280"/>
+          </a:xfrm>
         </p:spPr>
         <p:txBody>
-          <a:bodyPr wrap="square" rtlCol="0">
-            <a:spAutoFit/>
+          <a:bodyPr>
+            <a:normAutofit/>
           </a:bodyPr>
           <a:p>
-            <a:pPr marL="285750" indent="-285750">
+            <a:pPr algn="ctr">
               <a:lnSpc>
                 <a:spcPct val="150000"/>
               </a:lnSpc>
-              <a:buFont typeface="Arial" panose="020B0604020202020204" pitchFamily="34" charset="0"/>
-              <a:buChar char="•"/>
             </a:pPr>
             <a:r>
-              <a:rPr lang="zh-CN" altLang="en-US" sz="1600" kern="1200" dirty="0" smtClean="0">
-                <a:solidFill>
-                  <a:schemeClr val="tx1">
-                    <a:lumMod val="75000"/>
-                    <a:lumOff val="25000"/>
-                  </a:schemeClr>
-                </a:solidFill>
-                <a:latin typeface="微软雅黑" panose="020B0503020204020204" charset="-122"/>
-                <a:ea typeface="微软雅黑" panose="020B0503020204020204" charset="-122"/>
-                <a:cs typeface="+mj-cs"/>
+              <a:rPr lang="en-US" altLang="zh-CN" sz="3000" b="1" dirty="0" smtClean="0">
+                <a:solidFill>
+                  <a:srgbClr val="0029B5"/>
+                </a:solidFill>
+                <a:latin typeface="Microsoft YaHei Bold" panose="020B0503020204020204" charset="-122"/>
+                <a:ea typeface="Microsoft YaHei Bold" panose="020B0503020204020204" charset="-122"/>
                 <a:sym typeface="+mn-ea"/>
               </a:rPr>
-              <a:t>设计思路。</a:t>
-            </a:r>
-            <a:endParaRPr lang="zh-CN" altLang="en-US" sz="1600" kern="1200" dirty="0" smtClean="0">
+              <a:t>Part 3 </a:t>
+            </a:r>
+            <a:r>
+              <a:rPr lang="zh-CN" altLang="en-US" sz="3000" b="1" dirty="0" smtClean="0">
+                <a:solidFill>
+                  <a:srgbClr val="0029B5"/>
+                </a:solidFill>
+                <a:latin typeface="Microsoft YaHei Bold" panose="020B0503020204020204" charset="-122"/>
+                <a:ea typeface="Microsoft YaHei Bold" panose="020B0503020204020204" charset="-122"/>
+                <a:sym typeface="+mn-ea"/>
+              </a:rPr>
+              <a:t>开发难点及解决措施</a:t>
+            </a:r>
+            <a:endParaRPr lang="zh-CN" altLang="en-US" sz="3000" b="1" dirty="0" smtClean="0">
               <a:solidFill>
-                <a:schemeClr val="tx1">
-                  <a:lumMod val="75000"/>
-                  <a:lumOff val="25000"/>
-                </a:schemeClr>
+                <a:srgbClr val="0029B5"/>
               </a:solidFill>
-              <a:latin typeface="微软雅黑" panose="020B0503020204020204" charset="-122"/>
-              <a:ea typeface="微软雅黑" panose="020B0503020204020204" charset="-122"/>
-              <a:cs typeface="+mj-cs"/>
-              <a:sym typeface="+mn-ea"/>
-            </a:endParaRPr>
-          </a:p>
-          <a:p>
-            <a:pPr marL="742950" lvl="1" indent="-285750">
-              <a:lnSpc>
-                <a:spcPct val="150000"/>
-              </a:lnSpc>
-              <a:buFont typeface="Arial" panose="020B0604020202020204" pitchFamily="34" charset="0"/>
-              <a:buChar char="•"/>
-            </a:pPr>
-            <a:r>
-              <a:rPr lang="zh-CN" altLang="en-US" sz="1600" kern="1200" dirty="0" smtClean="0">
-                <a:solidFill>
-                  <a:schemeClr val="tx1">
-                    <a:lumMod val="75000"/>
-                    <a:lumOff val="25000"/>
-                  </a:schemeClr>
-                </a:solidFill>
-                <a:latin typeface="微软雅黑" panose="020B0503020204020204" charset="-122"/>
-                <a:ea typeface="微软雅黑" panose="020B0503020204020204" charset="-122"/>
-                <a:cs typeface="+mj-cs"/>
-                <a:sym typeface="+mn-ea"/>
-              </a:rPr>
-              <a:t>阅读发表在系统领域顶级会议的论文，学习经典架构</a:t>
-            </a:r>
-            <a:endParaRPr lang="zh-CN" altLang="en-US" sz="1600" kern="1200" dirty="0" smtClean="0">
-              <a:solidFill>
-                <a:schemeClr val="tx1">
-                  <a:lumMod val="75000"/>
-                  <a:lumOff val="25000"/>
-                </a:schemeClr>
-              </a:solidFill>
-              <a:latin typeface="微软雅黑" panose="020B0503020204020204" charset="-122"/>
-              <a:ea typeface="微软雅黑" panose="020B0503020204020204" charset="-122"/>
-              <a:cs typeface="+mj-cs"/>
-              <a:sym typeface="+mn-ea"/>
-            </a:endParaRPr>
-          </a:p>
-          <a:p>
-            <a:pPr marL="742950" lvl="1" indent="-285750">
-              <a:lnSpc>
-                <a:spcPct val="150000"/>
-              </a:lnSpc>
-              <a:buFont typeface="Arial" panose="020B0604020202020204" pitchFamily="34" charset="0"/>
-              <a:buChar char="•"/>
-            </a:pPr>
-            <a:r>
-              <a:rPr lang="zh-CN" altLang="en-US" sz="1600" kern="1200" dirty="0" smtClean="0">
-                <a:solidFill>
-                  <a:schemeClr val="tx1">
-                    <a:lumMod val="75000"/>
-                    <a:lumOff val="25000"/>
-                  </a:schemeClr>
-                </a:solidFill>
-                <a:latin typeface="微软雅黑" panose="020B0503020204020204" charset="-122"/>
-                <a:ea typeface="微软雅黑" panose="020B0503020204020204" charset="-122"/>
-                <a:cs typeface="+mj-cs"/>
-                <a:sym typeface="+mn-ea"/>
-              </a:rPr>
-              <a:t>体验各大云厂商</a:t>
-            </a:r>
-            <a:r>
-              <a:rPr lang="en-US" altLang="zh-CN" sz="1600" kern="1200" dirty="0" smtClean="0">
-                <a:solidFill>
-                  <a:schemeClr val="tx1">
-                    <a:lumMod val="75000"/>
-                    <a:lumOff val="25000"/>
-                  </a:schemeClr>
-                </a:solidFill>
-                <a:latin typeface="微软雅黑" panose="020B0503020204020204" charset="-122"/>
-                <a:ea typeface="微软雅黑" panose="020B0503020204020204" charset="-122"/>
-                <a:cs typeface="+mj-cs"/>
-                <a:sym typeface="+mn-ea"/>
-              </a:rPr>
-              <a:t>FaaS</a:t>
-            </a:r>
-            <a:r>
-              <a:rPr lang="zh-CN" altLang="en-US" sz="1600" kern="1200" dirty="0" smtClean="0">
-                <a:solidFill>
-                  <a:schemeClr val="tx1">
-                    <a:lumMod val="75000"/>
-                    <a:lumOff val="25000"/>
-                  </a:schemeClr>
-                </a:solidFill>
-                <a:latin typeface="微软雅黑" panose="020B0503020204020204" charset="-122"/>
-                <a:ea typeface="微软雅黑" panose="020B0503020204020204" charset="-122"/>
-                <a:cs typeface="+mj-cs"/>
-                <a:sym typeface="+mn-ea"/>
-              </a:rPr>
-              <a:t>平台</a:t>
-            </a:r>
-            <a:endParaRPr lang="en-US" altLang="zh-CN" sz="1600" kern="1200" dirty="0" smtClean="0">
-              <a:solidFill>
-                <a:schemeClr val="tx1">
-                  <a:lumMod val="75000"/>
-                  <a:lumOff val="25000"/>
-                </a:schemeClr>
-              </a:solidFill>
-              <a:latin typeface="微软雅黑" panose="020B0503020204020204" charset="-122"/>
-              <a:ea typeface="微软雅黑" panose="020B0503020204020204" charset="-122"/>
-              <a:cs typeface="+mj-cs"/>
-              <a:sym typeface="+mn-ea"/>
-            </a:endParaRPr>
-          </a:p>
-          <a:p>
-            <a:pPr marL="285750" indent="-285750">
-              <a:lnSpc>
-                <a:spcPct val="150000"/>
-              </a:lnSpc>
-              <a:buFont typeface="Arial" panose="020B0604020202020204" pitchFamily="34" charset="0"/>
-              <a:buChar char="•"/>
-            </a:pPr>
-            <a:endParaRPr lang="zh-CN" altLang="en-US" sz="1600" kern="1200" dirty="0" smtClean="0">
-              <a:solidFill>
-                <a:schemeClr val="tx1">
-                  <a:lumMod val="75000"/>
-                  <a:lumOff val="25000"/>
-                </a:schemeClr>
-              </a:solidFill>
-              <a:latin typeface="微软雅黑" panose="020B0503020204020204" charset="-122"/>
-              <a:ea typeface="微软雅黑" panose="020B0503020204020204" charset="-122"/>
-              <a:cs typeface="+mj-cs"/>
-              <a:sym typeface="+mn-ea"/>
-            </a:endParaRPr>
-          </a:p>
-          <a:p>
-            <a:pPr marL="285750" indent="-285750">
-              <a:lnSpc>
-                <a:spcPct val="150000"/>
-              </a:lnSpc>
-              <a:buFont typeface="Arial" panose="020B0604020202020204" pitchFamily="34" charset="0"/>
-              <a:buChar char="•"/>
-            </a:pPr>
-            <a:r>
-              <a:rPr lang="zh-CN" altLang="en-US" sz="1600" kern="1200" dirty="0" smtClean="0">
-                <a:solidFill>
-                  <a:schemeClr val="tx1">
-                    <a:lumMod val="75000"/>
-                    <a:lumOff val="25000"/>
-                  </a:schemeClr>
-                </a:solidFill>
-                <a:latin typeface="微软雅黑" panose="020B0503020204020204" charset="-122"/>
-                <a:ea typeface="微软雅黑" panose="020B0503020204020204" charset="-122"/>
-                <a:cs typeface="+mj-cs"/>
-                <a:sym typeface="+mn-ea"/>
-              </a:rPr>
-              <a:t>多线程</a:t>
-            </a:r>
-            <a:r>
-              <a:rPr lang="en-US" altLang="zh-CN" sz="1600" kern="1200" dirty="0" smtClean="0">
-                <a:solidFill>
-                  <a:schemeClr val="tx1">
-                    <a:lumMod val="75000"/>
-                    <a:lumOff val="25000"/>
-                  </a:schemeClr>
-                </a:solidFill>
-                <a:latin typeface="微软雅黑" panose="020B0503020204020204" charset="-122"/>
-                <a:ea typeface="微软雅黑" panose="020B0503020204020204" charset="-122"/>
-                <a:cs typeface="+mj-cs"/>
-                <a:sym typeface="+mn-ea"/>
-              </a:rPr>
-              <a:t>fork</a:t>
-            </a:r>
-            <a:r>
-              <a:rPr lang="zh-CN" altLang="en-US" sz="1600" kern="1200" dirty="0" smtClean="0">
-                <a:solidFill>
-                  <a:schemeClr val="tx1">
-                    <a:lumMod val="75000"/>
-                    <a:lumOff val="25000"/>
-                  </a:schemeClr>
-                </a:solidFill>
-                <a:latin typeface="微软雅黑" panose="020B0503020204020204" charset="-122"/>
-                <a:ea typeface="微软雅黑" panose="020B0503020204020204" charset="-122"/>
-                <a:cs typeface="+mj-cs"/>
-                <a:sym typeface="+mn-ea"/>
-              </a:rPr>
-              <a:t>。</a:t>
-            </a:r>
-            <a:endParaRPr lang="zh-CN" altLang="en-US" sz="1600" kern="1200" dirty="0" smtClean="0">
-              <a:solidFill>
-                <a:schemeClr val="tx1">
-                  <a:lumMod val="75000"/>
-                  <a:lumOff val="25000"/>
-                </a:schemeClr>
-              </a:solidFill>
-              <a:latin typeface="微软雅黑" panose="020B0503020204020204" charset="-122"/>
-              <a:ea typeface="微软雅黑" panose="020B0503020204020204" charset="-122"/>
-              <a:cs typeface="+mj-cs"/>
-              <a:sym typeface="+mn-ea"/>
-            </a:endParaRPr>
-          </a:p>
-          <a:p>
-            <a:pPr marL="742950" lvl="1" indent="-285750">
-              <a:lnSpc>
-                <a:spcPct val="150000"/>
-              </a:lnSpc>
-              <a:buFont typeface="Arial" panose="020B0604020202020204" pitchFamily="34" charset="0"/>
-              <a:buChar char="•"/>
-            </a:pPr>
-            <a:r>
-              <a:rPr lang="zh-CN" altLang="en-US" sz="1600" kern="1200" dirty="0" smtClean="0">
-                <a:solidFill>
-                  <a:schemeClr val="tx1">
-                    <a:lumMod val="75000"/>
-                    <a:lumOff val="25000"/>
-                  </a:schemeClr>
-                </a:solidFill>
-                <a:latin typeface="微软雅黑" panose="020B0503020204020204" charset="-122"/>
-                <a:ea typeface="微软雅黑" panose="020B0503020204020204" charset="-122"/>
-                <a:cs typeface="+mj-cs"/>
-                <a:sym typeface="+mn-ea"/>
-              </a:rPr>
-              <a:t>多线程锁状态难以确定，</a:t>
-            </a:r>
-            <a:r>
-              <a:rPr lang="en-US" altLang="zh-CN" sz="1600" kern="1200" dirty="0" smtClean="0">
-                <a:solidFill>
-                  <a:schemeClr val="tx1">
-                    <a:lumMod val="75000"/>
-                    <a:lumOff val="25000"/>
-                  </a:schemeClr>
-                </a:solidFill>
-                <a:latin typeface="微软雅黑" panose="020B0503020204020204" charset="-122"/>
-                <a:ea typeface="微软雅黑" panose="020B0503020204020204" charset="-122"/>
-                <a:cs typeface="+mj-cs"/>
-                <a:sym typeface="+mn-ea"/>
-              </a:rPr>
-              <a:t>fork</a:t>
-            </a:r>
-            <a:r>
-              <a:rPr lang="zh-CN" altLang="en-US" sz="1600" kern="1200" dirty="0" smtClean="0">
-                <a:solidFill>
-                  <a:schemeClr val="tx1">
-                    <a:lumMod val="75000"/>
-                    <a:lumOff val="25000"/>
-                  </a:schemeClr>
-                </a:solidFill>
-                <a:latin typeface="微软雅黑" panose="020B0503020204020204" charset="-122"/>
-                <a:ea typeface="微软雅黑" panose="020B0503020204020204" charset="-122"/>
-                <a:cs typeface="+mj-cs"/>
-                <a:sym typeface="+mn-ea"/>
-              </a:rPr>
-              <a:t>出的新进程容易造成死锁。</a:t>
-            </a:r>
-            <a:endParaRPr lang="zh-CN" altLang="en-US" sz="1600" kern="1200" dirty="0" smtClean="0">
-              <a:solidFill>
-                <a:schemeClr val="tx1">
-                  <a:lumMod val="75000"/>
-                  <a:lumOff val="25000"/>
-                </a:schemeClr>
-              </a:solidFill>
-              <a:latin typeface="微软雅黑" panose="020B0503020204020204" charset="-122"/>
-              <a:ea typeface="微软雅黑" panose="020B0503020204020204" charset="-122"/>
-              <a:cs typeface="+mj-cs"/>
-              <a:sym typeface="+mn-ea"/>
-            </a:endParaRPr>
-          </a:p>
-          <a:p>
-            <a:pPr marL="742950" lvl="1" indent="-285750">
-              <a:lnSpc>
-                <a:spcPct val="150000"/>
-              </a:lnSpc>
-              <a:buFont typeface="Arial" panose="020B0604020202020204" pitchFamily="34" charset="0"/>
-              <a:buChar char="•"/>
-            </a:pPr>
-            <a:r>
-              <a:rPr lang="zh-CN" altLang="en-US" sz="1600" kern="1200" dirty="0" smtClean="0">
-                <a:solidFill>
-                  <a:schemeClr val="tx1">
-                    <a:lumMod val="75000"/>
-                    <a:lumOff val="25000"/>
-                  </a:schemeClr>
-                </a:solidFill>
-                <a:latin typeface="微软雅黑" panose="020B0503020204020204" charset="-122"/>
-                <a:ea typeface="微软雅黑" panose="020B0503020204020204" charset="-122"/>
-                <a:cs typeface="+mj-cs"/>
-                <a:sym typeface="+mn-ea"/>
-              </a:rPr>
-              <a:t>确保</a:t>
-            </a:r>
-            <a:r>
-              <a:rPr lang="en-US" altLang="zh-CN" sz="1600" kern="1200" dirty="0" smtClean="0">
-                <a:solidFill>
-                  <a:schemeClr val="tx1">
-                    <a:lumMod val="75000"/>
-                    <a:lumOff val="25000"/>
-                  </a:schemeClr>
-                </a:solidFill>
-                <a:latin typeface="微软雅黑" panose="020B0503020204020204" charset="-122"/>
-                <a:ea typeface="微软雅黑" panose="020B0503020204020204" charset="-122"/>
-                <a:cs typeface="+mj-cs"/>
-                <a:sym typeface="+mn-ea"/>
-              </a:rPr>
-              <a:t>fork</a:t>
-            </a:r>
-            <a:r>
-              <a:rPr lang="zh-CN" altLang="en-US" sz="1600" kern="1200" dirty="0" smtClean="0">
-                <a:solidFill>
-                  <a:schemeClr val="tx1">
-                    <a:lumMod val="75000"/>
-                    <a:lumOff val="25000"/>
-                  </a:schemeClr>
-                </a:solidFill>
-                <a:latin typeface="微软雅黑" panose="020B0503020204020204" charset="-122"/>
-                <a:ea typeface="微软雅黑" panose="020B0503020204020204" charset="-122"/>
-                <a:cs typeface="+mj-cs"/>
-                <a:sym typeface="+mn-ea"/>
-              </a:rPr>
-              <a:t>前解开所有锁（貌似很难）</a:t>
-            </a:r>
-            <a:r>
-              <a:rPr lang="zh-CN" altLang="en-US" sz="1600" kern="1200" dirty="0" smtClean="0">
-                <a:solidFill>
-                  <a:schemeClr val="tx1">
-                    <a:lumMod val="75000"/>
-                    <a:lumOff val="25000"/>
-                  </a:schemeClr>
-                </a:solidFill>
-                <a:latin typeface="微软雅黑" panose="020B0503020204020204" charset="-122"/>
-                <a:ea typeface="微软雅黑" panose="020B0503020204020204" charset="-122"/>
-                <a:cs typeface="+mj-cs"/>
-                <a:sym typeface="+mn-ea"/>
-              </a:rPr>
-              <a:t>只能尽量避免。</a:t>
-            </a:r>
-            <a:endParaRPr lang="zh-CN" altLang="en-US" sz="1600" kern="1200" dirty="0" smtClean="0">
-              <a:solidFill>
-                <a:schemeClr val="tx1">
-                  <a:lumMod val="75000"/>
-                  <a:lumOff val="25000"/>
-                </a:schemeClr>
-              </a:solidFill>
-              <a:latin typeface="微软雅黑" panose="020B0503020204020204" charset="-122"/>
-              <a:ea typeface="微软雅黑" panose="020B0503020204020204" charset="-122"/>
-              <a:cs typeface="+mj-cs"/>
-              <a:sym typeface="+mn-ea"/>
-            </a:endParaRPr>
-          </a:p>
-          <a:p>
-            <a:pPr marL="285750" lvl="0" indent="-285750">
-              <a:lnSpc>
-                <a:spcPct val="150000"/>
-              </a:lnSpc>
-              <a:buFont typeface="Arial" panose="020B0604020202020204" pitchFamily="34" charset="0"/>
-              <a:buChar char="•"/>
-            </a:pPr>
-            <a:endParaRPr lang="en-US" altLang="zh-CN" sz="1600" kern="1200" dirty="0" smtClean="0">
-              <a:solidFill>
-                <a:schemeClr val="tx1">
-                  <a:lumMod val="75000"/>
-                  <a:lumOff val="25000"/>
-                </a:schemeClr>
-              </a:solidFill>
-              <a:latin typeface="微软雅黑" panose="020B0503020204020204" charset="-122"/>
-              <a:ea typeface="微软雅黑" panose="020B0503020204020204" charset="-122"/>
-              <a:cs typeface="+mj-cs"/>
-              <a:sym typeface="+mn-ea"/>
-            </a:endParaRPr>
-          </a:p>
-          <a:p>
-            <a:pPr marL="285750" lvl="0" indent="-285750">
-              <a:lnSpc>
-                <a:spcPct val="150000"/>
-              </a:lnSpc>
-              <a:buFont typeface="Arial" panose="020B0604020202020204" pitchFamily="34" charset="0"/>
-              <a:buChar char="•"/>
-            </a:pPr>
-            <a:r>
-              <a:rPr lang="zh-CN" altLang="en-US" sz="1600" kern="1200" dirty="0" smtClean="0">
-                <a:solidFill>
-                  <a:schemeClr val="tx1">
-                    <a:lumMod val="75000"/>
-                    <a:lumOff val="25000"/>
-                  </a:schemeClr>
-                </a:solidFill>
-                <a:latin typeface="微软雅黑" panose="020B0503020204020204" charset="-122"/>
-                <a:ea typeface="微软雅黑" panose="020B0503020204020204" charset="-122"/>
-                <a:cs typeface="+mj-cs"/>
-                <a:sym typeface="+mn-ea"/>
-              </a:rPr>
-              <a:t>野指针等。</a:t>
-            </a:r>
-            <a:endParaRPr lang="zh-CN" altLang="en-US" sz="1600" kern="1200" dirty="0" smtClean="0">
-              <a:solidFill>
-                <a:schemeClr val="tx1">
-                  <a:lumMod val="75000"/>
-                  <a:lumOff val="25000"/>
-                </a:schemeClr>
-              </a:solidFill>
-              <a:latin typeface="微软雅黑" panose="020B0503020204020204" charset="-122"/>
-              <a:ea typeface="微软雅黑" panose="020B0503020204020204" charset="-122"/>
-              <a:cs typeface="+mj-cs"/>
-              <a:sym typeface="+mn-ea"/>
-            </a:endParaRPr>
-          </a:p>
-          <a:p>
-            <a:pPr marL="742950" lvl="1" indent="-285750">
-              <a:lnSpc>
-                <a:spcPct val="150000"/>
-              </a:lnSpc>
-              <a:buFont typeface="Arial" panose="020B0604020202020204" pitchFamily="34" charset="0"/>
-              <a:buChar char="•"/>
-            </a:pPr>
-            <a:r>
-              <a:rPr lang="en-US" altLang="zh-CN" sz="1600" kern="1200" dirty="0" smtClean="0">
-                <a:solidFill>
-                  <a:schemeClr val="tx1">
-                    <a:lumMod val="75000"/>
-                    <a:lumOff val="25000"/>
-                  </a:schemeClr>
-                </a:solidFill>
-                <a:latin typeface="微软雅黑" panose="020B0503020204020204" charset="-122"/>
-                <a:ea typeface="微软雅黑" panose="020B0503020204020204" charset="-122"/>
-                <a:cs typeface="+mj-cs"/>
-                <a:sym typeface="+mn-ea"/>
-              </a:rPr>
-              <a:t>gdb </a:t>
-            </a:r>
-            <a:r>
-              <a:rPr lang="zh-CN" altLang="en-US" sz="1600" kern="1200" dirty="0" smtClean="0">
-                <a:solidFill>
-                  <a:schemeClr val="tx1">
-                    <a:lumMod val="75000"/>
-                    <a:lumOff val="25000"/>
-                  </a:schemeClr>
-                </a:solidFill>
-                <a:latin typeface="微软雅黑" panose="020B0503020204020204" charset="-122"/>
-                <a:ea typeface="微软雅黑" panose="020B0503020204020204" charset="-122"/>
-                <a:cs typeface="+mj-cs"/>
-                <a:sym typeface="+mn-ea"/>
-              </a:rPr>
-              <a:t>调试</a:t>
-            </a:r>
-            <a:r>
-              <a:rPr lang="en-US" altLang="zh-CN" sz="1600" kern="1200" dirty="0" smtClean="0">
-                <a:solidFill>
-                  <a:schemeClr val="tx1">
-                    <a:lumMod val="75000"/>
-                    <a:lumOff val="25000"/>
-                  </a:schemeClr>
-                </a:solidFill>
-                <a:latin typeface="微软雅黑" panose="020B0503020204020204" charset="-122"/>
-                <a:ea typeface="微软雅黑" panose="020B0503020204020204" charset="-122"/>
-                <a:cs typeface="+mj-cs"/>
-                <a:sym typeface="+mn-ea"/>
-              </a:rPr>
-              <a:t> coredump</a:t>
-            </a:r>
-            <a:r>
-              <a:rPr lang="zh-CN" altLang="en-US" sz="1600" kern="1200" dirty="0" smtClean="0">
-                <a:solidFill>
-                  <a:schemeClr val="tx1">
-                    <a:lumMod val="75000"/>
-                    <a:lumOff val="25000"/>
-                  </a:schemeClr>
-                </a:solidFill>
-                <a:latin typeface="微软雅黑" panose="020B0503020204020204" charset="-122"/>
-                <a:ea typeface="微软雅黑" panose="020B0503020204020204" charset="-122"/>
-                <a:cs typeface="+mj-cs"/>
-                <a:sym typeface="+mn-ea"/>
-              </a:rPr>
-              <a:t>、梳理错误点相关的数据结构和操作。</a:t>
-            </a:r>
-            <a:endParaRPr lang="zh-CN" altLang="en-US" sz="1600" kern="1200" dirty="0" smtClean="0">
-              <a:solidFill>
-                <a:schemeClr val="tx1">
-                  <a:lumMod val="75000"/>
-                  <a:lumOff val="25000"/>
-                </a:schemeClr>
-              </a:solidFill>
-              <a:latin typeface="微软雅黑" panose="020B0503020204020204" charset="-122"/>
-              <a:ea typeface="微软雅黑" panose="020B0503020204020204" charset="-122"/>
-              <a:cs typeface="+mj-cs"/>
-              <a:sym typeface="+mn-ea"/>
+              <a:latin typeface="Microsoft YaHei Bold" panose="020B0503020204020204" charset="-122"/>
+              <a:ea typeface="Microsoft YaHei Bold" panose="020B0503020204020204" charset="-122"/>
+              <a:cs typeface="Microsoft YaHei Bold" panose="020B0503020204020204" charset="-122"/>
             </a:endParaRPr>
           </a:p>
         </p:txBody>
@@ -8733,59 +8384,532 @@
       </p:pic>
       <p:sp>
         <p:nvSpPr>
-          <p:cNvPr id="9" name="标题 8"/>
-          <p:cNvSpPr>
-            <a:spLocks noGrp="1"/>
-          </p:cNvSpPr>
-          <p:nvPr>
-            <p:ph type="ctrTitle"/>
-          </p:nvPr>
-        </p:nvSpPr>
-        <p:spPr>
-          <a:xfrm>
-            <a:off x="694690" y="1604645"/>
-            <a:ext cx="7754620" cy="1224280"/>
-          </a:xfrm>
+          <p:cNvPr id="2" name="文本框 1"/>
+          <p:cNvSpPr txBox="1"/>
+          <p:nvPr/>
+        </p:nvSpPr>
+        <p:spPr>
+          <a:xfrm>
+            <a:off x="595630" y="843915"/>
+            <a:ext cx="7952105" cy="3784600"/>
+          </a:xfrm>
+          <a:prstGeom prst="rect">
+            <a:avLst/>
+          </a:prstGeom>
+          <a:noFill/>
         </p:spPr>
         <p:txBody>
-          <a:bodyPr>
-            <a:normAutofit/>
+          <a:bodyPr wrap="square" rtlCol="0">
+            <a:spAutoFit/>
           </a:bodyPr>
           <a:p>
-            <a:pPr algn="ctr">
+            <a:pPr marL="285750" indent="-285750">
               <a:lnSpc>
                 <a:spcPct val="150000"/>
               </a:lnSpc>
+              <a:buFont typeface="Arial" panose="020B0604020202020204" pitchFamily="34" charset="0"/>
+              <a:buChar char="•"/>
             </a:pPr>
             <a:r>
-              <a:rPr lang="en-US" altLang="zh-CN" sz="3000" b="1" dirty="0" smtClean="0">
-                <a:solidFill>
-                  <a:srgbClr val="0029B5"/>
-                </a:solidFill>
-                <a:latin typeface="Microsoft YaHei Bold" panose="020B0503020204020204" charset="-122"/>
-                <a:ea typeface="Microsoft YaHei Bold" panose="020B0503020204020204" charset="-122"/>
+              <a:rPr lang="zh-CN" altLang="en-US" sz="1600" kern="1200" dirty="0" smtClean="0">
+                <a:solidFill>
+                  <a:schemeClr val="tx1">
+                    <a:lumMod val="75000"/>
+                    <a:lumOff val="25000"/>
+                  </a:schemeClr>
+                </a:solidFill>
+                <a:latin typeface="微软雅黑" panose="020B0503020204020204" charset="-122"/>
+                <a:ea typeface="微软雅黑" panose="020B0503020204020204" charset="-122"/>
+                <a:cs typeface="+mj-cs"/>
                 <a:sym typeface="+mn-ea"/>
               </a:rPr>
-              <a:t>Part 4 </a:t>
-            </a:r>
-            <a:r>
-              <a:rPr lang="zh-CN" altLang="en-US" sz="3000" b="1" dirty="0" smtClean="0">
-                <a:solidFill>
-                  <a:srgbClr val="0029B5"/>
-                </a:solidFill>
-                <a:latin typeface="Microsoft YaHei Bold" panose="020B0503020204020204" charset="-122"/>
-                <a:ea typeface="Microsoft YaHei Bold" panose="020B0503020204020204" charset="-122"/>
+              <a:t>设计思路。</a:t>
+            </a:r>
+            <a:endParaRPr lang="zh-CN" altLang="en-US" sz="1600" kern="1200" dirty="0" smtClean="0">
+              <a:solidFill>
+                <a:schemeClr val="tx1">
+                  <a:lumMod val="75000"/>
+                  <a:lumOff val="25000"/>
+                </a:schemeClr>
+              </a:solidFill>
+              <a:latin typeface="微软雅黑" panose="020B0503020204020204" charset="-122"/>
+              <a:ea typeface="微软雅黑" panose="020B0503020204020204" charset="-122"/>
+              <a:cs typeface="+mj-cs"/>
+              <a:sym typeface="+mn-ea"/>
+            </a:endParaRPr>
+          </a:p>
+          <a:p>
+            <a:pPr marL="742950" lvl="1" indent="-285750">
+              <a:lnSpc>
+                <a:spcPct val="150000"/>
+              </a:lnSpc>
+              <a:buFont typeface="Arial" panose="020B0604020202020204" pitchFamily="34" charset="0"/>
+              <a:buChar char="•"/>
+            </a:pPr>
+            <a:r>
+              <a:rPr lang="zh-CN" altLang="en-US" sz="1600" kern="1200" dirty="0" smtClean="0">
+                <a:solidFill>
+                  <a:schemeClr val="tx1">
+                    <a:lumMod val="75000"/>
+                    <a:lumOff val="25000"/>
+                  </a:schemeClr>
+                </a:solidFill>
+                <a:latin typeface="微软雅黑" panose="020B0503020204020204" charset="-122"/>
+                <a:ea typeface="微软雅黑" panose="020B0503020204020204" charset="-122"/>
+                <a:cs typeface="+mj-cs"/>
                 <a:sym typeface="+mn-ea"/>
               </a:rPr>
-              <a:t>参赛体会</a:t>
-            </a:r>
-            <a:endParaRPr lang="zh-CN" altLang="en-US" sz="3000" b="1" dirty="0" smtClean="0">
+              <a:t>阅读发表在系统领域顶级会议的论文，学习经典架构</a:t>
+            </a:r>
+            <a:endParaRPr lang="zh-CN" altLang="en-US" sz="1600" kern="1200" dirty="0" smtClean="0">
               <a:solidFill>
-                <a:srgbClr val="0029B5"/>
+                <a:schemeClr val="tx1">
+                  <a:lumMod val="75000"/>
+                  <a:lumOff val="25000"/>
+                </a:schemeClr>
               </a:solidFill>
-              <a:latin typeface="Microsoft YaHei Bold" panose="020B0503020204020204" charset="-122"/>
-              <a:ea typeface="Microsoft YaHei Bold" panose="020B0503020204020204" charset="-122"/>
-              <a:cs typeface="Microsoft YaHei Bold" panose="020B0503020204020204" charset="-122"/>
+              <a:latin typeface="微软雅黑" panose="020B0503020204020204" charset="-122"/>
+              <a:ea typeface="微软雅黑" panose="020B0503020204020204" charset="-122"/>
+              <a:cs typeface="+mj-cs"/>
+              <a:sym typeface="+mn-ea"/>
+            </a:endParaRPr>
+          </a:p>
+          <a:p>
+            <a:pPr marL="742950" lvl="1" indent="-285750">
+              <a:lnSpc>
+                <a:spcPct val="150000"/>
+              </a:lnSpc>
+              <a:buFont typeface="Arial" panose="020B0604020202020204" pitchFamily="34" charset="0"/>
+              <a:buChar char="•"/>
+            </a:pPr>
+            <a:r>
+              <a:rPr lang="zh-CN" altLang="en-US" sz="1600" kern="1200" dirty="0" smtClean="0">
+                <a:solidFill>
+                  <a:schemeClr val="tx1">
+                    <a:lumMod val="75000"/>
+                    <a:lumOff val="25000"/>
+                  </a:schemeClr>
+                </a:solidFill>
+                <a:latin typeface="微软雅黑" panose="020B0503020204020204" charset="-122"/>
+                <a:ea typeface="微软雅黑" panose="020B0503020204020204" charset="-122"/>
+                <a:cs typeface="+mj-cs"/>
+                <a:sym typeface="+mn-ea"/>
+              </a:rPr>
+              <a:t>体验各大云厂商</a:t>
+            </a:r>
+            <a:r>
+              <a:rPr lang="en-US" altLang="zh-CN" sz="1600" kern="1200" dirty="0" smtClean="0">
+                <a:solidFill>
+                  <a:schemeClr val="tx1">
+                    <a:lumMod val="75000"/>
+                    <a:lumOff val="25000"/>
+                  </a:schemeClr>
+                </a:solidFill>
+                <a:latin typeface="微软雅黑" panose="020B0503020204020204" charset="-122"/>
+                <a:ea typeface="微软雅黑" panose="020B0503020204020204" charset="-122"/>
+                <a:cs typeface="+mj-cs"/>
+                <a:sym typeface="+mn-ea"/>
+              </a:rPr>
+              <a:t>FaaS</a:t>
+            </a:r>
+            <a:r>
+              <a:rPr lang="zh-CN" altLang="en-US" sz="1600" kern="1200" dirty="0" smtClean="0">
+                <a:solidFill>
+                  <a:schemeClr val="tx1">
+                    <a:lumMod val="75000"/>
+                    <a:lumOff val="25000"/>
+                  </a:schemeClr>
+                </a:solidFill>
+                <a:latin typeface="微软雅黑" panose="020B0503020204020204" charset="-122"/>
+                <a:ea typeface="微软雅黑" panose="020B0503020204020204" charset="-122"/>
+                <a:cs typeface="+mj-cs"/>
+                <a:sym typeface="+mn-ea"/>
+              </a:rPr>
+              <a:t>平台</a:t>
+            </a:r>
+            <a:endParaRPr lang="en-US" altLang="zh-CN" sz="1600" kern="1200" dirty="0" smtClean="0">
+              <a:solidFill>
+                <a:schemeClr val="tx1">
+                  <a:lumMod val="75000"/>
+                  <a:lumOff val="25000"/>
+                </a:schemeClr>
+              </a:solidFill>
+              <a:latin typeface="微软雅黑" panose="020B0503020204020204" charset="-122"/>
+              <a:ea typeface="微软雅黑" panose="020B0503020204020204" charset="-122"/>
+              <a:cs typeface="+mj-cs"/>
+              <a:sym typeface="+mn-ea"/>
+            </a:endParaRPr>
+          </a:p>
+          <a:p>
+            <a:pPr marL="285750" indent="-285750">
+              <a:lnSpc>
+                <a:spcPct val="150000"/>
+              </a:lnSpc>
+              <a:buFont typeface="Arial" panose="020B0604020202020204" pitchFamily="34" charset="0"/>
+              <a:buChar char="•"/>
+            </a:pPr>
+            <a:endParaRPr lang="zh-CN" altLang="en-US" sz="1600" kern="1200" dirty="0" smtClean="0">
+              <a:solidFill>
+                <a:schemeClr val="tx1">
+                  <a:lumMod val="75000"/>
+                  <a:lumOff val="25000"/>
+                </a:schemeClr>
+              </a:solidFill>
+              <a:latin typeface="微软雅黑" panose="020B0503020204020204" charset="-122"/>
+              <a:ea typeface="微软雅黑" panose="020B0503020204020204" charset="-122"/>
+              <a:cs typeface="+mj-cs"/>
+              <a:sym typeface="+mn-ea"/>
+            </a:endParaRPr>
+          </a:p>
+          <a:p>
+            <a:pPr marL="285750" indent="-285750">
+              <a:lnSpc>
+                <a:spcPct val="150000"/>
+              </a:lnSpc>
+              <a:buFont typeface="Arial" panose="020B0604020202020204" pitchFamily="34" charset="0"/>
+              <a:buChar char="•"/>
+            </a:pPr>
+            <a:r>
+              <a:rPr lang="zh-CN" altLang="en-US" sz="1600" kern="1200" dirty="0" smtClean="0">
+                <a:solidFill>
+                  <a:schemeClr val="tx1">
+                    <a:lumMod val="75000"/>
+                    <a:lumOff val="25000"/>
+                  </a:schemeClr>
+                </a:solidFill>
+                <a:latin typeface="微软雅黑" panose="020B0503020204020204" charset="-122"/>
+                <a:ea typeface="微软雅黑" panose="020B0503020204020204" charset="-122"/>
+                <a:cs typeface="+mj-cs"/>
+                <a:sym typeface="+mn-ea"/>
+              </a:rPr>
+              <a:t>多线程</a:t>
+            </a:r>
+            <a:r>
+              <a:rPr lang="en-US" altLang="zh-CN" sz="1600" kern="1200" dirty="0" smtClean="0">
+                <a:solidFill>
+                  <a:schemeClr val="tx1">
+                    <a:lumMod val="75000"/>
+                    <a:lumOff val="25000"/>
+                  </a:schemeClr>
+                </a:solidFill>
+                <a:latin typeface="微软雅黑" panose="020B0503020204020204" charset="-122"/>
+                <a:ea typeface="微软雅黑" panose="020B0503020204020204" charset="-122"/>
+                <a:cs typeface="+mj-cs"/>
+                <a:sym typeface="+mn-ea"/>
+              </a:rPr>
+              <a:t>fork</a:t>
+            </a:r>
+            <a:r>
+              <a:rPr lang="zh-CN" altLang="en-US" sz="1600" kern="1200" dirty="0" smtClean="0">
+                <a:solidFill>
+                  <a:schemeClr val="tx1">
+                    <a:lumMod val="75000"/>
+                    <a:lumOff val="25000"/>
+                  </a:schemeClr>
+                </a:solidFill>
+                <a:latin typeface="微软雅黑" panose="020B0503020204020204" charset="-122"/>
+                <a:ea typeface="微软雅黑" panose="020B0503020204020204" charset="-122"/>
+                <a:cs typeface="+mj-cs"/>
+                <a:sym typeface="+mn-ea"/>
+              </a:rPr>
+              <a:t>。</a:t>
+            </a:r>
+            <a:endParaRPr lang="zh-CN" altLang="en-US" sz="1600" kern="1200" dirty="0" smtClean="0">
+              <a:solidFill>
+                <a:schemeClr val="tx1">
+                  <a:lumMod val="75000"/>
+                  <a:lumOff val="25000"/>
+                </a:schemeClr>
+              </a:solidFill>
+              <a:latin typeface="微软雅黑" panose="020B0503020204020204" charset="-122"/>
+              <a:ea typeface="微软雅黑" panose="020B0503020204020204" charset="-122"/>
+              <a:cs typeface="+mj-cs"/>
+              <a:sym typeface="+mn-ea"/>
+            </a:endParaRPr>
+          </a:p>
+          <a:p>
+            <a:pPr marL="742950" lvl="1" indent="-285750">
+              <a:lnSpc>
+                <a:spcPct val="150000"/>
+              </a:lnSpc>
+              <a:buFont typeface="Arial" panose="020B0604020202020204" pitchFamily="34" charset="0"/>
+              <a:buChar char="•"/>
+            </a:pPr>
+            <a:r>
+              <a:rPr lang="zh-CN" altLang="en-US" sz="1600" kern="1200" dirty="0" smtClean="0">
+                <a:solidFill>
+                  <a:schemeClr val="tx1">
+                    <a:lumMod val="75000"/>
+                    <a:lumOff val="25000"/>
+                  </a:schemeClr>
+                </a:solidFill>
+                <a:latin typeface="微软雅黑" panose="020B0503020204020204" charset="-122"/>
+                <a:ea typeface="微软雅黑" panose="020B0503020204020204" charset="-122"/>
+                <a:cs typeface="+mj-cs"/>
+                <a:sym typeface="+mn-ea"/>
+              </a:rPr>
+              <a:t>多线程锁状态难以确定，</a:t>
+            </a:r>
+            <a:r>
+              <a:rPr lang="en-US" altLang="zh-CN" sz="1600" kern="1200" dirty="0" smtClean="0">
+                <a:solidFill>
+                  <a:schemeClr val="tx1">
+                    <a:lumMod val="75000"/>
+                    <a:lumOff val="25000"/>
+                  </a:schemeClr>
+                </a:solidFill>
+                <a:latin typeface="微软雅黑" panose="020B0503020204020204" charset="-122"/>
+                <a:ea typeface="微软雅黑" panose="020B0503020204020204" charset="-122"/>
+                <a:cs typeface="+mj-cs"/>
+                <a:sym typeface="+mn-ea"/>
+              </a:rPr>
+              <a:t>fork</a:t>
+            </a:r>
+            <a:r>
+              <a:rPr lang="zh-CN" altLang="en-US" sz="1600" kern="1200" dirty="0" smtClean="0">
+                <a:solidFill>
+                  <a:schemeClr val="tx1">
+                    <a:lumMod val="75000"/>
+                    <a:lumOff val="25000"/>
+                  </a:schemeClr>
+                </a:solidFill>
+                <a:latin typeface="微软雅黑" panose="020B0503020204020204" charset="-122"/>
+                <a:ea typeface="微软雅黑" panose="020B0503020204020204" charset="-122"/>
+                <a:cs typeface="+mj-cs"/>
+                <a:sym typeface="+mn-ea"/>
+              </a:rPr>
+              <a:t>出的新进程容易造成死锁。</a:t>
+            </a:r>
+            <a:endParaRPr lang="zh-CN" altLang="en-US" sz="1600" kern="1200" dirty="0" smtClean="0">
+              <a:solidFill>
+                <a:schemeClr val="tx1">
+                  <a:lumMod val="75000"/>
+                  <a:lumOff val="25000"/>
+                </a:schemeClr>
+              </a:solidFill>
+              <a:latin typeface="微软雅黑" panose="020B0503020204020204" charset="-122"/>
+              <a:ea typeface="微软雅黑" panose="020B0503020204020204" charset="-122"/>
+              <a:cs typeface="+mj-cs"/>
+              <a:sym typeface="+mn-ea"/>
+            </a:endParaRPr>
+          </a:p>
+          <a:p>
+            <a:pPr marL="742950" lvl="1" indent="-285750">
+              <a:lnSpc>
+                <a:spcPct val="150000"/>
+              </a:lnSpc>
+              <a:buFont typeface="Arial" panose="020B0604020202020204" pitchFamily="34" charset="0"/>
+              <a:buChar char="•"/>
+            </a:pPr>
+            <a:r>
+              <a:rPr lang="zh-CN" altLang="en-US" sz="1600" kern="1200" dirty="0" smtClean="0">
+                <a:solidFill>
+                  <a:schemeClr val="tx1">
+                    <a:lumMod val="75000"/>
+                    <a:lumOff val="25000"/>
+                  </a:schemeClr>
+                </a:solidFill>
+                <a:latin typeface="微软雅黑" panose="020B0503020204020204" charset="-122"/>
+                <a:ea typeface="微软雅黑" panose="020B0503020204020204" charset="-122"/>
+                <a:cs typeface="+mj-cs"/>
+                <a:sym typeface="+mn-ea"/>
+              </a:rPr>
+              <a:t>确保</a:t>
+            </a:r>
+            <a:r>
+              <a:rPr lang="en-US" altLang="zh-CN" sz="1600" kern="1200" dirty="0" smtClean="0">
+                <a:solidFill>
+                  <a:schemeClr val="tx1">
+                    <a:lumMod val="75000"/>
+                    <a:lumOff val="25000"/>
+                  </a:schemeClr>
+                </a:solidFill>
+                <a:latin typeface="微软雅黑" panose="020B0503020204020204" charset="-122"/>
+                <a:ea typeface="微软雅黑" panose="020B0503020204020204" charset="-122"/>
+                <a:cs typeface="+mj-cs"/>
+                <a:sym typeface="+mn-ea"/>
+              </a:rPr>
+              <a:t>fork</a:t>
+            </a:r>
+            <a:r>
+              <a:rPr lang="zh-CN" altLang="en-US" sz="1600" kern="1200" dirty="0" smtClean="0">
+                <a:solidFill>
+                  <a:schemeClr val="tx1">
+                    <a:lumMod val="75000"/>
+                    <a:lumOff val="25000"/>
+                  </a:schemeClr>
+                </a:solidFill>
+                <a:latin typeface="微软雅黑" panose="020B0503020204020204" charset="-122"/>
+                <a:ea typeface="微软雅黑" panose="020B0503020204020204" charset="-122"/>
+                <a:cs typeface="+mj-cs"/>
+                <a:sym typeface="+mn-ea"/>
+              </a:rPr>
+              <a:t>前解开所有锁（貌似很难）</a:t>
+            </a:r>
+            <a:r>
+              <a:rPr lang="zh-CN" altLang="en-US" sz="1600" kern="1200" dirty="0" smtClean="0">
+                <a:solidFill>
+                  <a:schemeClr val="tx1">
+                    <a:lumMod val="75000"/>
+                    <a:lumOff val="25000"/>
+                  </a:schemeClr>
+                </a:solidFill>
+                <a:latin typeface="微软雅黑" panose="020B0503020204020204" charset="-122"/>
+                <a:ea typeface="微软雅黑" panose="020B0503020204020204" charset="-122"/>
+                <a:cs typeface="+mj-cs"/>
+                <a:sym typeface="+mn-ea"/>
+              </a:rPr>
+              <a:t>只能尽量避免。</a:t>
+            </a:r>
+            <a:endParaRPr lang="zh-CN" altLang="en-US" sz="1600" kern="1200" dirty="0" smtClean="0">
+              <a:solidFill>
+                <a:schemeClr val="tx1">
+                  <a:lumMod val="75000"/>
+                  <a:lumOff val="25000"/>
+                </a:schemeClr>
+              </a:solidFill>
+              <a:latin typeface="微软雅黑" panose="020B0503020204020204" charset="-122"/>
+              <a:ea typeface="微软雅黑" panose="020B0503020204020204" charset="-122"/>
+              <a:cs typeface="+mj-cs"/>
+              <a:sym typeface="+mn-ea"/>
+            </a:endParaRPr>
+          </a:p>
+          <a:p>
+            <a:pPr marL="285750" lvl="0" indent="-285750">
+              <a:lnSpc>
+                <a:spcPct val="150000"/>
+              </a:lnSpc>
+              <a:buFont typeface="Arial" panose="020B0604020202020204" pitchFamily="34" charset="0"/>
+              <a:buChar char="•"/>
+            </a:pPr>
+            <a:endParaRPr lang="en-US" altLang="zh-CN" sz="1600" kern="1200" dirty="0" smtClean="0">
+              <a:solidFill>
+                <a:schemeClr val="tx1">
+                  <a:lumMod val="75000"/>
+                  <a:lumOff val="25000"/>
+                </a:schemeClr>
+              </a:solidFill>
+              <a:latin typeface="微软雅黑" panose="020B0503020204020204" charset="-122"/>
+              <a:ea typeface="微软雅黑" panose="020B0503020204020204" charset="-122"/>
+              <a:cs typeface="+mj-cs"/>
+              <a:sym typeface="+mn-ea"/>
+            </a:endParaRPr>
+          </a:p>
+          <a:p>
+            <a:pPr marL="285750" lvl="0" indent="-285750">
+              <a:lnSpc>
+                <a:spcPct val="150000"/>
+              </a:lnSpc>
+              <a:buFont typeface="Arial" panose="020B0604020202020204" pitchFamily="34" charset="0"/>
+              <a:buChar char="•"/>
+            </a:pPr>
+            <a:r>
+              <a:rPr lang="zh-CN" altLang="en-US" sz="1600" kern="1200" dirty="0" smtClean="0">
+                <a:solidFill>
+                  <a:schemeClr val="tx1">
+                    <a:lumMod val="75000"/>
+                    <a:lumOff val="25000"/>
+                  </a:schemeClr>
+                </a:solidFill>
+                <a:latin typeface="微软雅黑" panose="020B0503020204020204" charset="-122"/>
+                <a:ea typeface="微软雅黑" panose="020B0503020204020204" charset="-122"/>
+                <a:cs typeface="+mj-cs"/>
+                <a:sym typeface="+mn-ea"/>
+              </a:rPr>
+              <a:t>野指针等。</a:t>
+            </a:r>
+            <a:endParaRPr lang="zh-CN" altLang="en-US" sz="1600" kern="1200" dirty="0" smtClean="0">
+              <a:solidFill>
+                <a:schemeClr val="tx1">
+                  <a:lumMod val="75000"/>
+                  <a:lumOff val="25000"/>
+                </a:schemeClr>
+              </a:solidFill>
+              <a:latin typeface="微软雅黑" panose="020B0503020204020204" charset="-122"/>
+              <a:ea typeface="微软雅黑" panose="020B0503020204020204" charset="-122"/>
+              <a:cs typeface="+mj-cs"/>
+              <a:sym typeface="+mn-ea"/>
+            </a:endParaRPr>
+          </a:p>
+          <a:p>
+            <a:pPr marL="742950" lvl="1" indent="-285750">
+              <a:lnSpc>
+                <a:spcPct val="150000"/>
+              </a:lnSpc>
+              <a:buFont typeface="Arial" panose="020B0604020202020204" pitchFamily="34" charset="0"/>
+              <a:buChar char="•"/>
+            </a:pPr>
+            <a:r>
+              <a:rPr lang="en-US" altLang="zh-CN" sz="1600" kern="1200" dirty="0" smtClean="0">
+                <a:solidFill>
+                  <a:schemeClr val="tx1">
+                    <a:lumMod val="75000"/>
+                    <a:lumOff val="25000"/>
+                  </a:schemeClr>
+                </a:solidFill>
+                <a:latin typeface="微软雅黑" panose="020B0503020204020204" charset="-122"/>
+                <a:ea typeface="微软雅黑" panose="020B0503020204020204" charset="-122"/>
+                <a:cs typeface="+mj-cs"/>
+                <a:sym typeface="+mn-ea"/>
+              </a:rPr>
+              <a:t>gdb </a:t>
+            </a:r>
+            <a:r>
+              <a:rPr lang="zh-CN" altLang="en-US" sz="1600" kern="1200" dirty="0" smtClean="0">
+                <a:solidFill>
+                  <a:schemeClr val="tx1">
+                    <a:lumMod val="75000"/>
+                    <a:lumOff val="25000"/>
+                  </a:schemeClr>
+                </a:solidFill>
+                <a:latin typeface="微软雅黑" panose="020B0503020204020204" charset="-122"/>
+                <a:ea typeface="微软雅黑" panose="020B0503020204020204" charset="-122"/>
+                <a:cs typeface="+mj-cs"/>
+                <a:sym typeface="+mn-ea"/>
+              </a:rPr>
+              <a:t>调试</a:t>
+            </a:r>
+            <a:r>
+              <a:rPr lang="en-US" altLang="zh-CN" sz="1600" kern="1200" dirty="0" smtClean="0">
+                <a:solidFill>
+                  <a:schemeClr val="tx1">
+                    <a:lumMod val="75000"/>
+                    <a:lumOff val="25000"/>
+                  </a:schemeClr>
+                </a:solidFill>
+                <a:latin typeface="微软雅黑" panose="020B0503020204020204" charset="-122"/>
+                <a:ea typeface="微软雅黑" panose="020B0503020204020204" charset="-122"/>
+                <a:cs typeface="+mj-cs"/>
+                <a:sym typeface="+mn-ea"/>
+              </a:rPr>
+              <a:t> coredump</a:t>
+            </a:r>
+            <a:r>
+              <a:rPr lang="zh-CN" altLang="en-US" sz="1600" kern="1200" dirty="0" smtClean="0">
+                <a:solidFill>
+                  <a:schemeClr val="tx1">
+                    <a:lumMod val="75000"/>
+                    <a:lumOff val="25000"/>
+                  </a:schemeClr>
+                </a:solidFill>
+                <a:latin typeface="微软雅黑" panose="020B0503020204020204" charset="-122"/>
+                <a:ea typeface="微软雅黑" panose="020B0503020204020204" charset="-122"/>
+                <a:cs typeface="+mj-cs"/>
+                <a:sym typeface="+mn-ea"/>
+              </a:rPr>
+              <a:t>、梳理错误点相关的数据结构和操作。</a:t>
+            </a:r>
+            <a:endParaRPr lang="zh-CN" altLang="en-US" sz="1600" kern="1200" dirty="0" smtClean="0">
+              <a:solidFill>
+                <a:schemeClr val="tx1">
+                  <a:lumMod val="75000"/>
+                  <a:lumOff val="25000"/>
+                </a:schemeClr>
+              </a:solidFill>
+              <a:latin typeface="微软雅黑" panose="020B0503020204020204" charset="-122"/>
+              <a:ea typeface="微软雅黑" panose="020B0503020204020204" charset="-122"/>
+              <a:cs typeface="+mj-cs"/>
+              <a:sym typeface="+mn-ea"/>
             </a:endParaRPr>
           </a:p>
         </p:txBody>
@@ -8977,376 +9101,63 @@
       </p:pic>
       <p:sp>
         <p:nvSpPr>
-          <p:cNvPr id="2" name="文本框 1"/>
-          <p:cNvSpPr txBox="1"/>
-          <p:nvPr/>
-        </p:nvSpPr>
-        <p:spPr>
-          <a:xfrm>
-            <a:off x="595630" y="843915"/>
-            <a:ext cx="7952105" cy="1568450"/>
-          </a:xfrm>
-          <a:prstGeom prst="rect">
-            <a:avLst/>
-          </a:prstGeom>
-          <a:noFill/>
+          <p:cNvPr id="9" name="标题 8"/>
+          <p:cNvSpPr>
+            <a:spLocks noGrp="1"/>
+          </p:cNvSpPr>
+          <p:nvPr>
+            <p:ph type="ctrTitle"/>
+          </p:nvPr>
+        </p:nvSpPr>
+        <p:spPr>
+          <a:xfrm>
+            <a:off x="694690" y="1604645"/>
+            <a:ext cx="7754620" cy="1224280"/>
+          </a:xfrm>
         </p:spPr>
         <p:txBody>
-          <a:bodyPr wrap="square" rtlCol="0">
-            <a:spAutoFit/>
+          <a:bodyPr>
+            <a:normAutofit/>
           </a:bodyPr>
           <a:p>
-            <a:pPr marL="285750" indent="-285750">
+            <a:pPr algn="ctr">
               <a:lnSpc>
                 <a:spcPct val="150000"/>
               </a:lnSpc>
-              <a:buFont typeface="Arial" panose="020B0604020202020204" pitchFamily="34" charset="0"/>
-              <a:buChar char="•"/>
             </a:pPr>
             <a:r>
-              <a:rPr lang="zh-CN" altLang="en-US" sz="1600" kern="1200" dirty="0" smtClean="0">
-                <a:solidFill>
-                  <a:schemeClr val="tx1">
-                    <a:lumMod val="75000"/>
-                    <a:lumOff val="25000"/>
-                  </a:schemeClr>
-                </a:solidFill>
-                <a:latin typeface="微软雅黑" panose="020B0503020204020204" charset="-122"/>
-                <a:ea typeface="微软雅黑" panose="020B0503020204020204" charset="-122"/>
-                <a:cs typeface="+mj-cs"/>
+              <a:rPr lang="en-US" altLang="zh-CN" sz="3000" b="1" dirty="0" smtClean="0">
+                <a:solidFill>
+                  <a:srgbClr val="0029B5"/>
+                </a:solidFill>
+                <a:latin typeface="Microsoft YaHei Bold" panose="020B0503020204020204" charset="-122"/>
+                <a:ea typeface="Microsoft YaHei Bold" panose="020B0503020204020204" charset="-122"/>
                 <a:sym typeface="+mn-ea"/>
               </a:rPr>
-              <a:t>新知识。发现、探索</a:t>
-            </a:r>
-            <a:r>
-              <a:rPr lang="en-US" altLang="zh-CN" sz="1600" kern="1200" dirty="0" smtClean="0">
-                <a:solidFill>
-                  <a:schemeClr val="tx1">
-                    <a:lumMod val="75000"/>
-                    <a:lumOff val="25000"/>
-                  </a:schemeClr>
-                </a:solidFill>
-                <a:latin typeface="微软雅黑" panose="020B0503020204020204" charset="-122"/>
-                <a:ea typeface="微软雅黑" panose="020B0503020204020204" charset="-122"/>
-                <a:cs typeface="+mj-cs"/>
+              <a:t>Part 4 </a:t>
+            </a:r>
+            <a:r>
+              <a:rPr lang="zh-CN" altLang="en-US" sz="3000" b="1" dirty="0" smtClean="0">
+                <a:solidFill>
+                  <a:srgbClr val="0029B5"/>
+                </a:solidFill>
+                <a:latin typeface="Microsoft YaHei Bold" panose="020B0503020204020204" charset="-122"/>
+                <a:ea typeface="Microsoft YaHei Bold" panose="020B0503020204020204" charset="-122"/>
                 <a:sym typeface="+mn-ea"/>
               </a:rPr>
-              <a:t>Serverless</a:t>
-            </a:r>
-            <a:r>
-              <a:rPr lang="zh-CN" altLang="en-US" sz="1600" kern="1200" dirty="0" smtClean="0">
-                <a:solidFill>
-                  <a:schemeClr val="tx1">
-                    <a:lumMod val="75000"/>
-                    <a:lumOff val="25000"/>
-                  </a:schemeClr>
-                </a:solidFill>
-                <a:latin typeface="微软雅黑" panose="020B0503020204020204" charset="-122"/>
-                <a:ea typeface="微软雅黑" panose="020B0503020204020204" charset="-122"/>
-                <a:cs typeface="+mj-cs"/>
-                <a:sym typeface="+mn-ea"/>
-              </a:rPr>
-              <a:t>、</a:t>
-            </a:r>
-            <a:r>
-              <a:rPr lang="en-US" altLang="zh-CN" sz="1600" kern="1200" dirty="0" smtClean="0">
-                <a:solidFill>
-                  <a:schemeClr val="tx1">
-                    <a:lumMod val="75000"/>
-                    <a:lumOff val="25000"/>
-                  </a:schemeClr>
-                </a:solidFill>
-                <a:latin typeface="微软雅黑" panose="020B0503020204020204" charset="-122"/>
-                <a:ea typeface="微软雅黑" panose="020B0503020204020204" charset="-122"/>
-                <a:cs typeface="+mj-cs"/>
-                <a:sym typeface="+mn-ea"/>
-              </a:rPr>
-              <a:t>FaaS</a:t>
-            </a:r>
-            <a:r>
-              <a:rPr lang="zh-CN" altLang="en-US" sz="1600" kern="1200" dirty="0" smtClean="0">
-                <a:solidFill>
-                  <a:schemeClr val="tx1">
-                    <a:lumMod val="75000"/>
-                    <a:lumOff val="25000"/>
-                  </a:schemeClr>
-                </a:solidFill>
-                <a:latin typeface="微软雅黑" panose="020B0503020204020204" charset="-122"/>
-                <a:ea typeface="微软雅黑" panose="020B0503020204020204" charset="-122"/>
-                <a:cs typeface="+mj-cs"/>
-                <a:sym typeface="+mn-ea"/>
-              </a:rPr>
-              <a:t>。</a:t>
-            </a:r>
-            <a:endParaRPr lang="zh-CN" altLang="en-US" sz="1600" kern="1200" dirty="0" smtClean="0">
+              <a:t>参赛体会</a:t>
+            </a:r>
+            <a:endParaRPr lang="zh-CN" altLang="en-US" sz="3000" b="1" dirty="0" smtClean="0">
               <a:solidFill>
-                <a:schemeClr val="tx1">
-                  <a:lumMod val="75000"/>
-                  <a:lumOff val="25000"/>
-                </a:schemeClr>
+                <a:srgbClr val="0029B5"/>
               </a:solidFill>
-              <a:latin typeface="微软雅黑" panose="020B0503020204020204" charset="-122"/>
-              <a:ea typeface="微软雅黑" panose="020B0503020204020204" charset="-122"/>
-              <a:cs typeface="+mj-cs"/>
-              <a:sym typeface="+mn-ea"/>
+              <a:latin typeface="Microsoft YaHei Bold" panose="020B0503020204020204" charset="-122"/>
+              <a:ea typeface="Microsoft YaHei Bold" panose="020B0503020204020204" charset="-122"/>
+              <a:cs typeface="Microsoft YaHei Bold" panose="020B0503020204020204" charset="-122"/>
             </a:endParaRPr>
           </a:p>
-          <a:p>
-            <a:pPr marL="457200" lvl="1" indent="0">
-              <a:lnSpc>
-                <a:spcPct val="150000"/>
-              </a:lnSpc>
-              <a:buFont typeface="Arial" panose="020B0604020202020204" pitchFamily="34" charset="0"/>
-              <a:buNone/>
-            </a:pPr>
-            <a:endParaRPr lang="en-US" altLang="zh-CN" sz="1600" kern="1200" dirty="0" smtClean="0">
-              <a:solidFill>
-                <a:schemeClr val="tx1">
-                  <a:lumMod val="75000"/>
-                  <a:lumOff val="25000"/>
-                </a:schemeClr>
-              </a:solidFill>
-              <a:latin typeface="微软雅黑" panose="020B0503020204020204" charset="-122"/>
-              <a:ea typeface="微软雅黑" panose="020B0503020204020204" charset="-122"/>
-              <a:cs typeface="+mj-cs"/>
-              <a:sym typeface="+mn-ea"/>
-            </a:endParaRPr>
-          </a:p>
-          <a:p>
-            <a:pPr marL="285750" indent="-285750">
-              <a:lnSpc>
-                <a:spcPct val="150000"/>
-              </a:lnSpc>
-              <a:buFont typeface="Arial" panose="020B0604020202020204" pitchFamily="34" charset="0"/>
-              <a:buChar char="•"/>
-            </a:pPr>
-            <a:endParaRPr lang="zh-CN" altLang="en-US" sz="1600" kern="1200" dirty="0" smtClean="0">
-              <a:solidFill>
-                <a:schemeClr val="tx1">
-                  <a:lumMod val="75000"/>
-                  <a:lumOff val="25000"/>
-                </a:schemeClr>
-              </a:solidFill>
-              <a:latin typeface="微软雅黑" panose="020B0503020204020204" charset="-122"/>
-              <a:ea typeface="微软雅黑" panose="020B0503020204020204" charset="-122"/>
-              <a:cs typeface="+mj-cs"/>
-              <a:sym typeface="+mn-ea"/>
-            </a:endParaRPr>
-          </a:p>
-          <a:p>
-            <a:pPr marL="285750" indent="-285750">
-              <a:lnSpc>
-                <a:spcPct val="150000"/>
-              </a:lnSpc>
-              <a:buFont typeface="Arial" panose="020B0604020202020204" pitchFamily="34" charset="0"/>
-              <a:buChar char="•"/>
-            </a:pPr>
-            <a:r>
-              <a:rPr lang="zh-CN" altLang="en-US" sz="1600" kern="1200" dirty="0" smtClean="0">
-                <a:solidFill>
-                  <a:schemeClr val="tx1">
-                    <a:lumMod val="75000"/>
-                    <a:lumOff val="25000"/>
-                  </a:schemeClr>
-                </a:solidFill>
-                <a:latin typeface="微软雅黑" panose="020B0503020204020204" charset="-122"/>
-                <a:ea typeface="微软雅黑" panose="020B0503020204020204" charset="-122"/>
-                <a:cs typeface="+mj-cs"/>
-                <a:sym typeface="+mn-ea"/>
-              </a:rPr>
-              <a:t>好习惯。基于的</a:t>
-            </a:r>
-            <a:r>
-              <a:rPr lang="en-US" altLang="zh-CN" sz="1600" kern="1200" dirty="0" smtClean="0">
-                <a:solidFill>
-                  <a:schemeClr val="tx1">
-                    <a:lumMod val="75000"/>
-                    <a:lumOff val="25000"/>
-                  </a:schemeClr>
-                </a:solidFill>
-                <a:latin typeface="微软雅黑" panose="020B0503020204020204" charset="-122"/>
-                <a:ea typeface="微软雅黑" panose="020B0503020204020204" charset="-122"/>
-                <a:cs typeface="+mj-cs"/>
-                <a:sym typeface="+mn-ea"/>
-              </a:rPr>
-              <a:t>gitee</a:t>
-            </a:r>
-            <a:r>
-              <a:rPr lang="zh-CN" altLang="en-US" sz="1600" kern="1200" dirty="0" smtClean="0">
-                <a:solidFill>
-                  <a:schemeClr val="tx1">
-                    <a:lumMod val="75000"/>
-                    <a:lumOff val="25000"/>
-                  </a:schemeClr>
-                </a:solidFill>
-                <a:latin typeface="微软雅黑" panose="020B0503020204020204" charset="-122"/>
-                <a:ea typeface="微软雅黑" panose="020B0503020204020204" charset="-122"/>
-                <a:cs typeface="+mj-cs"/>
-                <a:sym typeface="+mn-ea"/>
-              </a:rPr>
-              <a:t>合作开发模式、项目日志等。</a:t>
-            </a:r>
-            <a:endParaRPr lang="zh-CN" altLang="en-US" sz="1600" kern="1200" dirty="0" smtClean="0">
-              <a:solidFill>
-                <a:schemeClr val="tx1">
-                  <a:lumMod val="75000"/>
-                  <a:lumOff val="25000"/>
-                </a:schemeClr>
-              </a:solidFill>
-              <a:latin typeface="微软雅黑" panose="020B0503020204020204" charset="-122"/>
-              <a:ea typeface="微软雅黑" panose="020B0503020204020204" charset="-122"/>
-              <a:cs typeface="+mj-cs"/>
-              <a:sym typeface="+mn-ea"/>
-            </a:endParaRPr>
-          </a:p>
         </p:txBody>
       </p:sp>
-      <p:pic>
-        <p:nvPicPr>
-          <p:cNvPr id="5" name="图片 4"/>
-          <p:cNvPicPr>
-            <a:picLocks noChangeAspect="1"/>
-          </p:cNvPicPr>
-          <p:nvPr/>
-        </p:nvPicPr>
-        <p:blipFill>
-          <a:blip r:embed="rId4"/>
-          <a:stretch>
-            <a:fillRect/>
-          </a:stretch>
-        </p:blipFill>
-        <p:spPr>
-          <a:xfrm>
-            <a:off x="755015" y="2499360"/>
-            <a:ext cx="4144645" cy="494665"/>
-          </a:xfrm>
-          <a:prstGeom prst="rect">
-            <a:avLst/>
-          </a:prstGeom>
-        </p:spPr>
-      </p:pic>
-      <p:pic>
-        <p:nvPicPr>
-          <p:cNvPr id="8" name="图片 7"/>
-          <p:cNvPicPr>
-            <a:picLocks noChangeAspect="1"/>
-          </p:cNvPicPr>
-          <p:nvPr/>
-        </p:nvPicPr>
-        <p:blipFill>
-          <a:blip r:embed="rId5"/>
-          <a:stretch>
-            <a:fillRect/>
-          </a:stretch>
-        </p:blipFill>
-        <p:spPr>
-          <a:xfrm>
-            <a:off x="827405" y="3075940"/>
-            <a:ext cx="3188970" cy="1928495"/>
-          </a:xfrm>
-          <a:prstGeom prst="rect">
-            <a:avLst/>
-          </a:prstGeom>
-        </p:spPr>
-      </p:pic>
-      <p:pic>
-        <p:nvPicPr>
-          <p:cNvPr id="9" name="图片 8"/>
-          <p:cNvPicPr>
-            <a:picLocks noChangeAspect="1"/>
-          </p:cNvPicPr>
-          <p:nvPr/>
-        </p:nvPicPr>
-        <p:blipFill>
-          <a:blip r:embed="rId6"/>
-          <a:srcRect r="916" b="5319"/>
-          <a:stretch>
-            <a:fillRect/>
-          </a:stretch>
-        </p:blipFill>
-        <p:spPr>
-          <a:xfrm>
-            <a:off x="945515" y="1347470"/>
-            <a:ext cx="2952115" cy="678180"/>
-          </a:xfrm>
-          <a:prstGeom prst="rect">
-            <a:avLst/>
-          </a:prstGeom>
-        </p:spPr>
-      </p:pic>
-      <p:pic>
-        <p:nvPicPr>
-          <p:cNvPr id="11" name="图片 10"/>
-          <p:cNvPicPr>
-            <a:picLocks noChangeAspect="1"/>
-          </p:cNvPicPr>
-          <p:nvPr/>
-        </p:nvPicPr>
-        <p:blipFill>
-          <a:blip r:embed="rId7"/>
-          <a:stretch>
-            <a:fillRect/>
-          </a:stretch>
-        </p:blipFill>
-        <p:spPr>
-          <a:xfrm>
-            <a:off x="4139565" y="1362710"/>
-            <a:ext cx="2964180" cy="647700"/>
-          </a:xfrm>
-          <a:prstGeom prst="rect">
-            <a:avLst/>
-          </a:prstGeom>
-        </p:spPr>
-      </p:pic>
-      <p:pic>
-        <p:nvPicPr>
-          <p:cNvPr id="13" name="图片 12"/>
-          <p:cNvPicPr>
-            <a:picLocks noChangeAspect="1"/>
-          </p:cNvPicPr>
-          <p:nvPr/>
-        </p:nvPicPr>
-        <p:blipFill>
-          <a:blip r:embed="rId8"/>
-          <a:srcRect t="3349"/>
-          <a:stretch>
-            <a:fillRect/>
-          </a:stretch>
-        </p:blipFill>
-        <p:spPr>
-          <a:xfrm>
-            <a:off x="3672205" y="2985770"/>
-            <a:ext cx="2893695" cy="1832610"/>
-          </a:xfrm>
-          <a:prstGeom prst="rect">
-            <a:avLst/>
-          </a:prstGeom>
-        </p:spPr>
-      </p:pic>
-      <p:pic>
-        <p:nvPicPr>
-          <p:cNvPr id="14" name="图片 13"/>
-          <p:cNvPicPr>
-            <a:picLocks noChangeAspect="1"/>
-          </p:cNvPicPr>
-          <p:nvPr/>
-        </p:nvPicPr>
-        <p:blipFill>
-          <a:blip r:embed="rId9"/>
-          <a:stretch>
-            <a:fillRect/>
-          </a:stretch>
-        </p:blipFill>
-        <p:spPr>
-          <a:xfrm>
-            <a:off x="4899660" y="2544445"/>
-            <a:ext cx="1353185" cy="449580"/>
-          </a:xfrm>
-          <a:prstGeom prst="rect">
-            <a:avLst/>
-          </a:prstGeom>
-        </p:spPr>
-      </p:pic>
     </p:spTree>
   </p:cSld>
   <p:clrMapOvr>
@@ -9925,6 +9736,563 @@
       </p:pic>
       <p:sp>
         <p:nvSpPr>
+          <p:cNvPr id="2" name="文本框 1"/>
+          <p:cNvSpPr txBox="1"/>
+          <p:nvPr/>
+        </p:nvSpPr>
+        <p:spPr>
+          <a:xfrm>
+            <a:off x="595630" y="843915"/>
+            <a:ext cx="7952105" cy="1568450"/>
+          </a:xfrm>
+          <a:prstGeom prst="rect">
+            <a:avLst/>
+          </a:prstGeom>
+          <a:noFill/>
+        </p:spPr>
+        <p:txBody>
+          <a:bodyPr wrap="square" rtlCol="0">
+            <a:spAutoFit/>
+          </a:bodyPr>
+          <a:p>
+            <a:pPr marL="285750" indent="-285750">
+              <a:lnSpc>
+                <a:spcPct val="150000"/>
+              </a:lnSpc>
+              <a:buFont typeface="Arial" panose="020B0604020202020204" pitchFamily="34" charset="0"/>
+              <a:buChar char="•"/>
+            </a:pPr>
+            <a:r>
+              <a:rPr lang="zh-CN" altLang="en-US" sz="1600" kern="1200" dirty="0" smtClean="0">
+                <a:solidFill>
+                  <a:schemeClr val="tx1">
+                    <a:lumMod val="75000"/>
+                    <a:lumOff val="25000"/>
+                  </a:schemeClr>
+                </a:solidFill>
+                <a:latin typeface="微软雅黑" panose="020B0503020204020204" charset="-122"/>
+                <a:ea typeface="微软雅黑" panose="020B0503020204020204" charset="-122"/>
+                <a:cs typeface="+mj-cs"/>
+                <a:sym typeface="+mn-ea"/>
+              </a:rPr>
+              <a:t>新知识。发现、探索</a:t>
+            </a:r>
+            <a:r>
+              <a:rPr lang="en-US" altLang="zh-CN" sz="1600" kern="1200" dirty="0" smtClean="0">
+                <a:solidFill>
+                  <a:schemeClr val="tx1">
+                    <a:lumMod val="75000"/>
+                    <a:lumOff val="25000"/>
+                  </a:schemeClr>
+                </a:solidFill>
+                <a:latin typeface="微软雅黑" panose="020B0503020204020204" charset="-122"/>
+                <a:ea typeface="微软雅黑" panose="020B0503020204020204" charset="-122"/>
+                <a:cs typeface="+mj-cs"/>
+                <a:sym typeface="+mn-ea"/>
+              </a:rPr>
+              <a:t>Serverless</a:t>
+            </a:r>
+            <a:r>
+              <a:rPr lang="zh-CN" altLang="en-US" sz="1600" kern="1200" dirty="0" smtClean="0">
+                <a:solidFill>
+                  <a:schemeClr val="tx1">
+                    <a:lumMod val="75000"/>
+                    <a:lumOff val="25000"/>
+                  </a:schemeClr>
+                </a:solidFill>
+                <a:latin typeface="微软雅黑" panose="020B0503020204020204" charset="-122"/>
+                <a:ea typeface="微软雅黑" panose="020B0503020204020204" charset="-122"/>
+                <a:cs typeface="+mj-cs"/>
+                <a:sym typeface="+mn-ea"/>
+              </a:rPr>
+              <a:t>、</a:t>
+            </a:r>
+            <a:r>
+              <a:rPr lang="en-US" altLang="zh-CN" sz="1600" kern="1200" dirty="0" smtClean="0">
+                <a:solidFill>
+                  <a:schemeClr val="tx1">
+                    <a:lumMod val="75000"/>
+                    <a:lumOff val="25000"/>
+                  </a:schemeClr>
+                </a:solidFill>
+                <a:latin typeface="微软雅黑" panose="020B0503020204020204" charset="-122"/>
+                <a:ea typeface="微软雅黑" panose="020B0503020204020204" charset="-122"/>
+                <a:cs typeface="+mj-cs"/>
+                <a:sym typeface="+mn-ea"/>
+              </a:rPr>
+              <a:t>FaaS</a:t>
+            </a:r>
+            <a:r>
+              <a:rPr lang="zh-CN" altLang="en-US" sz="1600" kern="1200" dirty="0" smtClean="0">
+                <a:solidFill>
+                  <a:schemeClr val="tx1">
+                    <a:lumMod val="75000"/>
+                    <a:lumOff val="25000"/>
+                  </a:schemeClr>
+                </a:solidFill>
+                <a:latin typeface="微软雅黑" panose="020B0503020204020204" charset="-122"/>
+                <a:ea typeface="微软雅黑" panose="020B0503020204020204" charset="-122"/>
+                <a:cs typeface="+mj-cs"/>
+                <a:sym typeface="+mn-ea"/>
+              </a:rPr>
+              <a:t>。</a:t>
+            </a:r>
+            <a:endParaRPr lang="zh-CN" altLang="en-US" sz="1600" kern="1200" dirty="0" smtClean="0">
+              <a:solidFill>
+                <a:schemeClr val="tx1">
+                  <a:lumMod val="75000"/>
+                  <a:lumOff val="25000"/>
+                </a:schemeClr>
+              </a:solidFill>
+              <a:latin typeface="微软雅黑" panose="020B0503020204020204" charset="-122"/>
+              <a:ea typeface="微软雅黑" panose="020B0503020204020204" charset="-122"/>
+              <a:cs typeface="+mj-cs"/>
+              <a:sym typeface="+mn-ea"/>
+            </a:endParaRPr>
+          </a:p>
+          <a:p>
+            <a:pPr marL="457200" lvl="1" indent="0">
+              <a:lnSpc>
+                <a:spcPct val="150000"/>
+              </a:lnSpc>
+              <a:buFont typeface="Arial" panose="020B0604020202020204" pitchFamily="34" charset="0"/>
+              <a:buNone/>
+            </a:pPr>
+            <a:endParaRPr lang="en-US" altLang="zh-CN" sz="1600" kern="1200" dirty="0" smtClean="0">
+              <a:solidFill>
+                <a:schemeClr val="tx1">
+                  <a:lumMod val="75000"/>
+                  <a:lumOff val="25000"/>
+                </a:schemeClr>
+              </a:solidFill>
+              <a:latin typeface="微软雅黑" panose="020B0503020204020204" charset="-122"/>
+              <a:ea typeface="微软雅黑" panose="020B0503020204020204" charset="-122"/>
+              <a:cs typeface="+mj-cs"/>
+              <a:sym typeface="+mn-ea"/>
+            </a:endParaRPr>
+          </a:p>
+          <a:p>
+            <a:pPr marL="285750" indent="-285750">
+              <a:lnSpc>
+                <a:spcPct val="150000"/>
+              </a:lnSpc>
+              <a:buFont typeface="Arial" panose="020B0604020202020204" pitchFamily="34" charset="0"/>
+              <a:buChar char="•"/>
+            </a:pPr>
+            <a:endParaRPr lang="zh-CN" altLang="en-US" sz="1600" kern="1200" dirty="0" smtClean="0">
+              <a:solidFill>
+                <a:schemeClr val="tx1">
+                  <a:lumMod val="75000"/>
+                  <a:lumOff val="25000"/>
+                </a:schemeClr>
+              </a:solidFill>
+              <a:latin typeface="微软雅黑" panose="020B0503020204020204" charset="-122"/>
+              <a:ea typeface="微软雅黑" panose="020B0503020204020204" charset="-122"/>
+              <a:cs typeface="+mj-cs"/>
+              <a:sym typeface="+mn-ea"/>
+            </a:endParaRPr>
+          </a:p>
+          <a:p>
+            <a:pPr marL="285750" indent="-285750">
+              <a:lnSpc>
+                <a:spcPct val="150000"/>
+              </a:lnSpc>
+              <a:buFont typeface="Arial" panose="020B0604020202020204" pitchFamily="34" charset="0"/>
+              <a:buChar char="•"/>
+            </a:pPr>
+            <a:r>
+              <a:rPr lang="zh-CN" altLang="en-US" sz="1600" kern="1200" dirty="0" smtClean="0">
+                <a:solidFill>
+                  <a:schemeClr val="tx1">
+                    <a:lumMod val="75000"/>
+                    <a:lumOff val="25000"/>
+                  </a:schemeClr>
+                </a:solidFill>
+                <a:latin typeface="微软雅黑" panose="020B0503020204020204" charset="-122"/>
+                <a:ea typeface="微软雅黑" panose="020B0503020204020204" charset="-122"/>
+                <a:cs typeface="+mj-cs"/>
+                <a:sym typeface="+mn-ea"/>
+              </a:rPr>
+              <a:t>好习惯。基于的</a:t>
+            </a:r>
+            <a:r>
+              <a:rPr lang="en-US" altLang="zh-CN" sz="1600" kern="1200" dirty="0" smtClean="0">
+                <a:solidFill>
+                  <a:schemeClr val="tx1">
+                    <a:lumMod val="75000"/>
+                    <a:lumOff val="25000"/>
+                  </a:schemeClr>
+                </a:solidFill>
+                <a:latin typeface="微软雅黑" panose="020B0503020204020204" charset="-122"/>
+                <a:ea typeface="微软雅黑" panose="020B0503020204020204" charset="-122"/>
+                <a:cs typeface="+mj-cs"/>
+                <a:sym typeface="+mn-ea"/>
+              </a:rPr>
+              <a:t>gitee</a:t>
+            </a:r>
+            <a:r>
+              <a:rPr lang="zh-CN" altLang="en-US" sz="1600" kern="1200" dirty="0" smtClean="0">
+                <a:solidFill>
+                  <a:schemeClr val="tx1">
+                    <a:lumMod val="75000"/>
+                    <a:lumOff val="25000"/>
+                  </a:schemeClr>
+                </a:solidFill>
+                <a:latin typeface="微软雅黑" panose="020B0503020204020204" charset="-122"/>
+                <a:ea typeface="微软雅黑" panose="020B0503020204020204" charset="-122"/>
+                <a:cs typeface="+mj-cs"/>
+                <a:sym typeface="+mn-ea"/>
+              </a:rPr>
+              <a:t>合作开发模式、项目日志等。</a:t>
+            </a:r>
+            <a:endParaRPr lang="zh-CN" altLang="en-US" sz="1600" kern="1200" dirty="0" smtClean="0">
+              <a:solidFill>
+                <a:schemeClr val="tx1">
+                  <a:lumMod val="75000"/>
+                  <a:lumOff val="25000"/>
+                </a:schemeClr>
+              </a:solidFill>
+              <a:latin typeface="微软雅黑" panose="020B0503020204020204" charset="-122"/>
+              <a:ea typeface="微软雅黑" panose="020B0503020204020204" charset="-122"/>
+              <a:cs typeface="+mj-cs"/>
+              <a:sym typeface="+mn-ea"/>
+            </a:endParaRPr>
+          </a:p>
+        </p:txBody>
+      </p:sp>
+      <p:pic>
+        <p:nvPicPr>
+          <p:cNvPr id="5" name="图片 4"/>
+          <p:cNvPicPr>
+            <a:picLocks noChangeAspect="1"/>
+          </p:cNvPicPr>
+          <p:nvPr/>
+        </p:nvPicPr>
+        <p:blipFill>
+          <a:blip r:embed="rId4"/>
+          <a:stretch>
+            <a:fillRect/>
+          </a:stretch>
+        </p:blipFill>
+        <p:spPr>
+          <a:xfrm>
+            <a:off x="755015" y="2499360"/>
+            <a:ext cx="4144645" cy="494665"/>
+          </a:xfrm>
+          <a:prstGeom prst="rect">
+            <a:avLst/>
+          </a:prstGeom>
+        </p:spPr>
+      </p:pic>
+      <p:pic>
+        <p:nvPicPr>
+          <p:cNvPr id="8" name="图片 7"/>
+          <p:cNvPicPr>
+            <a:picLocks noChangeAspect="1"/>
+          </p:cNvPicPr>
+          <p:nvPr/>
+        </p:nvPicPr>
+        <p:blipFill>
+          <a:blip r:embed="rId5"/>
+          <a:stretch>
+            <a:fillRect/>
+          </a:stretch>
+        </p:blipFill>
+        <p:spPr>
+          <a:xfrm>
+            <a:off x="827405" y="3075940"/>
+            <a:ext cx="3188970" cy="1928495"/>
+          </a:xfrm>
+          <a:prstGeom prst="rect">
+            <a:avLst/>
+          </a:prstGeom>
+        </p:spPr>
+      </p:pic>
+      <p:pic>
+        <p:nvPicPr>
+          <p:cNvPr id="9" name="图片 8"/>
+          <p:cNvPicPr>
+            <a:picLocks noChangeAspect="1"/>
+          </p:cNvPicPr>
+          <p:nvPr/>
+        </p:nvPicPr>
+        <p:blipFill>
+          <a:blip r:embed="rId6"/>
+          <a:srcRect r="916" b="5319"/>
+          <a:stretch>
+            <a:fillRect/>
+          </a:stretch>
+        </p:blipFill>
+        <p:spPr>
+          <a:xfrm>
+            <a:off x="945515" y="1347470"/>
+            <a:ext cx="2952115" cy="678180"/>
+          </a:xfrm>
+          <a:prstGeom prst="rect">
+            <a:avLst/>
+          </a:prstGeom>
+        </p:spPr>
+      </p:pic>
+      <p:pic>
+        <p:nvPicPr>
+          <p:cNvPr id="11" name="图片 10"/>
+          <p:cNvPicPr>
+            <a:picLocks noChangeAspect="1"/>
+          </p:cNvPicPr>
+          <p:nvPr/>
+        </p:nvPicPr>
+        <p:blipFill>
+          <a:blip r:embed="rId7"/>
+          <a:stretch>
+            <a:fillRect/>
+          </a:stretch>
+        </p:blipFill>
+        <p:spPr>
+          <a:xfrm>
+            <a:off x="4139565" y="1362710"/>
+            <a:ext cx="2964180" cy="647700"/>
+          </a:xfrm>
+          <a:prstGeom prst="rect">
+            <a:avLst/>
+          </a:prstGeom>
+        </p:spPr>
+      </p:pic>
+      <p:pic>
+        <p:nvPicPr>
+          <p:cNvPr id="13" name="图片 12"/>
+          <p:cNvPicPr>
+            <a:picLocks noChangeAspect="1"/>
+          </p:cNvPicPr>
+          <p:nvPr/>
+        </p:nvPicPr>
+        <p:blipFill>
+          <a:blip r:embed="rId8"/>
+          <a:srcRect t="3349"/>
+          <a:stretch>
+            <a:fillRect/>
+          </a:stretch>
+        </p:blipFill>
+        <p:spPr>
+          <a:xfrm>
+            <a:off x="3672205" y="2985770"/>
+            <a:ext cx="2893695" cy="1832610"/>
+          </a:xfrm>
+          <a:prstGeom prst="rect">
+            <a:avLst/>
+          </a:prstGeom>
+        </p:spPr>
+      </p:pic>
+      <p:pic>
+        <p:nvPicPr>
+          <p:cNvPr id="14" name="图片 13"/>
+          <p:cNvPicPr>
+            <a:picLocks noChangeAspect="1"/>
+          </p:cNvPicPr>
+          <p:nvPr/>
+        </p:nvPicPr>
+        <p:blipFill>
+          <a:blip r:embed="rId9"/>
+          <a:stretch>
+            <a:fillRect/>
+          </a:stretch>
+        </p:blipFill>
+        <p:spPr>
+          <a:xfrm>
+            <a:off x="4899660" y="2544445"/>
+            <a:ext cx="1353185" cy="449580"/>
+          </a:xfrm>
+          <a:prstGeom prst="rect">
+            <a:avLst/>
+          </a:prstGeom>
+        </p:spPr>
+      </p:pic>
+    </p:spTree>
+  </p:cSld>
+  <p:clrMapOvr>
+    <a:masterClrMapping/>
+  </p:clrMapOvr>
+  <p:transition/>
+</p:sld>
+</file>
+
+<file path=ppt/slides/slide21.xml><?xml version="1.0" encoding="utf-8"?>
+<p:sld xmlns:a="http://schemas.openxmlformats.org/drawingml/2006/main" xmlns:r="http://schemas.openxmlformats.org/officeDocument/2006/relationships" xmlns:p="http://schemas.openxmlformats.org/presentationml/2006/main">
+  <p:cSld>
+    <p:spTree>
+      <p:nvGrpSpPr>
+        <p:cNvPr id="1" name=""/>
+        <p:cNvGrpSpPr/>
+        <p:nvPr/>
+      </p:nvGrpSpPr>
+      <p:grpSpPr>
+        <a:xfrm>
+          <a:off x="0" y="0"/>
+          <a:ext cx="0" cy="0"/>
+          <a:chOff x="0" y="0"/>
+          <a:chExt cx="0" cy="0"/>
+        </a:xfrm>
+      </p:grpSpPr>
+      <p:grpSp>
+        <p:nvGrpSpPr>
+          <p:cNvPr id="7" name="组合 6"/>
+          <p:cNvGrpSpPr/>
+          <p:nvPr/>
+        </p:nvGrpSpPr>
+        <p:grpSpPr>
+          <a:xfrm>
+            <a:off x="66675" y="177165"/>
+            <a:ext cx="2374106" cy="188595"/>
+            <a:chOff x="420" y="432"/>
+            <a:chExt cx="4985" cy="396"/>
+          </a:xfrm>
+        </p:grpSpPr>
+        <p:pic>
+          <p:nvPicPr>
+            <p:cNvPr id="3" name="图片 2" descr="tittle1"/>
+            <p:cNvPicPr>
+              <a:picLocks noChangeAspect="1"/>
+            </p:cNvPicPr>
+            <p:nvPr/>
+          </p:nvPicPr>
+          <p:blipFill>
+            <a:blip r:embed="rId1"/>
+            <a:stretch>
+              <a:fillRect/>
+            </a:stretch>
+          </p:blipFill>
+          <p:spPr>
+            <a:xfrm>
+              <a:off x="420" y="432"/>
+              <a:ext cx="2405" cy="397"/>
+            </a:xfrm>
+            <a:prstGeom prst="rect">
+              <a:avLst/>
+            </a:prstGeom>
+          </p:spPr>
+        </p:pic>
+        <p:pic>
+          <p:nvPicPr>
+            <p:cNvPr id="4" name="图片 3" descr="tittle2"/>
+            <p:cNvPicPr>
+              <a:picLocks noChangeAspect="1"/>
+            </p:cNvPicPr>
+            <p:nvPr/>
+          </p:nvPicPr>
+          <p:blipFill>
+            <a:blip r:embed="rId2"/>
+            <a:stretch>
+              <a:fillRect/>
+            </a:stretch>
+          </p:blipFill>
+          <p:spPr>
+            <a:xfrm>
+              <a:off x="2965" y="460"/>
+              <a:ext cx="2441" cy="340"/>
+            </a:xfrm>
+            <a:prstGeom prst="rect">
+              <a:avLst/>
+            </a:prstGeom>
+          </p:spPr>
+        </p:pic>
+      </p:grpSp>
+      <p:cxnSp>
+        <p:nvCxnSpPr>
+          <p:cNvPr id="6" name="直接连接符 5"/>
+          <p:cNvCxnSpPr/>
+          <p:nvPr/>
+        </p:nvCxnSpPr>
+        <p:spPr>
+          <a:xfrm>
+            <a:off x="0" y="461963"/>
+            <a:ext cx="2538000" cy="0"/>
+          </a:xfrm>
+          <a:prstGeom prst="line">
+            <a:avLst/>
+          </a:prstGeom>
+          <a:ln w="22225" cmpd="sng">
+            <a:solidFill>
+              <a:srgbClr val="0029B5"/>
+            </a:solidFill>
+            <a:prstDash val="solid"/>
+          </a:ln>
+        </p:spPr>
+        <p:style>
+          <a:lnRef idx="1">
+            <a:schemeClr val="accent1"/>
+          </a:lnRef>
+          <a:fillRef idx="0">
+            <a:schemeClr val="accent1"/>
+          </a:fillRef>
+          <a:effectRef idx="0">
+            <a:schemeClr val="accent1"/>
+          </a:effectRef>
+          <a:fontRef idx="minor">
+            <a:schemeClr val="tx1"/>
+          </a:fontRef>
+        </p:style>
+      </p:cxnSp>
+      <p:cxnSp>
+        <p:nvCxnSpPr>
+          <p:cNvPr id="10" name="直接连接符 9"/>
+          <p:cNvCxnSpPr/>
+          <p:nvPr/>
+        </p:nvCxnSpPr>
+        <p:spPr>
+          <a:xfrm>
+            <a:off x="6603683" y="4738688"/>
+            <a:ext cx="2538000" cy="0"/>
+          </a:xfrm>
+          <a:prstGeom prst="line">
+            <a:avLst/>
+          </a:prstGeom>
+          <a:ln w="22225" cmpd="sng">
+            <a:solidFill>
+              <a:srgbClr val="0029B5"/>
+            </a:solidFill>
+            <a:prstDash val="solid"/>
+          </a:ln>
+        </p:spPr>
+        <p:style>
+          <a:lnRef idx="1">
+            <a:schemeClr val="accent1"/>
+          </a:lnRef>
+          <a:fillRef idx="0">
+            <a:schemeClr val="accent1"/>
+          </a:fillRef>
+          <a:effectRef idx="0">
+            <a:schemeClr val="accent1"/>
+          </a:effectRef>
+          <a:fontRef idx="minor">
+            <a:schemeClr val="tx1"/>
+          </a:fontRef>
+        </p:style>
+      </p:cxnSp>
+      <p:pic>
+        <p:nvPicPr>
+          <p:cNvPr id="12" name="图片 11" descr="挂件-效果图"/>
+          <p:cNvPicPr>
+            <a:picLocks noChangeAspect="1"/>
+          </p:cNvPicPr>
+          <p:nvPr/>
+        </p:nvPicPr>
+        <p:blipFill>
+          <a:blip r:embed="rId3"/>
+          <a:stretch>
+            <a:fillRect/>
+          </a:stretch>
+        </p:blipFill>
+        <p:spPr>
+          <a:xfrm>
+            <a:off x="6566059" y="4809173"/>
+            <a:ext cx="2575560" cy="234315"/>
+          </a:xfrm>
+          <a:prstGeom prst="rect">
+            <a:avLst/>
+          </a:prstGeom>
+        </p:spPr>
+      </p:pic>
+      <p:sp>
+        <p:nvSpPr>
           <p:cNvPr id="9" name="标题 8"/>
           <p:cNvSpPr>
             <a:spLocks noGrp="1"/>
@@ -10004,7 +10372,7 @@
 </p:sld>
 </file>
 
-<file path=ppt/slides/slide21.xml><?xml version="1.0" encoding="utf-8"?>
+<file path=ppt/slides/slide22.xml><?xml version="1.0" encoding="utf-8"?>
 <p:sld xmlns:a="http://schemas.openxmlformats.org/drawingml/2006/main" xmlns:r="http://schemas.openxmlformats.org/officeDocument/2006/relationships" xmlns:p="http://schemas.openxmlformats.org/presentationml/2006/main">
   <p:cSld>
     <p:spTree>
